--- a/備忘搞.pptx
+++ b/備忘搞.pptx
@@ -236,7 +236,7 @@
             <a:fld id="{B3A6932C-E8B6-44D0-A35E-BAED5439DF3F}" type="datetimeFigureOut">
               <a:rPr lang="zh-CN" altLang="en-US" smtClean="0"/>
               <a:pPr/>
-              <a:t>2023/9/7</a:t>
+              <a:t>2023/9/11</a:t>
             </a:fld>
             <a:endParaRPr lang="zh-CN" altLang="en-US"/>
           </a:p>
@@ -548,7 +548,7 @@
           <a:bodyPr/>
           <a:lstStyle/>
           <a:p>
-            <a:endParaRPr lang="zh-CN" altLang="en-US"/>
+            <a:endParaRPr lang="zh-CN" altLang="en-US" dirty="0"/>
           </a:p>
         </p:txBody>
       </p:sp>
@@ -633,19 +633,62 @@
           <a:bodyPr/>
           <a:lstStyle/>
           <a:p>
+            <a:pPr marL="215900" indent="-212725" eaLnBrk="1">
+              <a:spcBef>
+                <a:spcPct val="0"/>
+              </a:spcBef>
+              <a:buClrTx/>
+              <a:buFontTx/>
+              <a:buNone/>
+              <a:tabLst>
+                <a:tab pos="215900" algn="l"/>
+                <a:tab pos="663575" algn="l"/>
+                <a:tab pos="1112838" algn="l"/>
+                <a:tab pos="1562100" algn="l"/>
+                <a:tab pos="2011363" algn="l"/>
+                <a:tab pos="2460625" algn="l"/>
+                <a:tab pos="2909888" algn="l"/>
+                <a:tab pos="3359150" algn="l"/>
+                <a:tab pos="3808413" algn="l"/>
+                <a:tab pos="4257675" algn="l"/>
+                <a:tab pos="4706938" algn="l"/>
+                <a:tab pos="5156200" algn="l"/>
+                <a:tab pos="5605463" algn="l"/>
+                <a:tab pos="6054725" algn="l"/>
+                <a:tab pos="6503988" algn="l"/>
+                <a:tab pos="6953250" algn="l"/>
+                <a:tab pos="7402513" algn="l"/>
+                <a:tab pos="7851775" algn="l"/>
+                <a:tab pos="8301038" algn="l"/>
+                <a:tab pos="8750300" algn="l"/>
+                <a:tab pos="9199563" algn="l"/>
+              </a:tabLst>
+            </a:pPr>
             <a:r>
-              <a:rPr lang="zh-TW" altLang="en-US" dirty="0" smtClean="0"/>
-              <a:t>準備好檔案後就可以到</a:t>
+              <a:rPr lang="zh-TW" altLang="zh-TW" sz="1200" dirty="0" smtClean="0">
+                <a:latin typeface="Arial" charset="0"/>
+                <a:ea typeface="微软雅黑" charset="-122"/>
+              </a:rPr>
+              <a:t>準備好文字檔案後就可以到</a:t>
             </a:r>
             <a:r>
-              <a:rPr lang="en-US" altLang="zh-TW" dirty="0" smtClean="0"/>
+              <a:rPr lang="en-US" altLang="zh-TW" sz="1200" dirty="0" smtClean="0">
+                <a:latin typeface="Arial" charset="0"/>
+                <a:ea typeface="微软雅黑" charset="-122"/>
+              </a:rPr>
               <a:t>COTA</a:t>
             </a:r>
             <a:r>
-              <a:rPr lang="zh-TW" altLang="en-US" dirty="0" smtClean="0"/>
-              <a:t>執行上傳作業，右邊是上傳程式的畫面，由於上傳時並不會檢查資料內容，所以可能會有兩種比較常見的錯誤情形，第一種是上傳的檔案內包含重複的資料，第二種則是上傳到不正確的檔案，以下來介紹遇到這兩種狀況時的處理情形。</a:t>
+              <a:rPr lang="zh-TW" altLang="zh-TW" sz="1200" dirty="0" smtClean="0">
+                <a:latin typeface="Arial" charset="0"/>
+                <a:ea typeface="微软雅黑" charset="-122"/>
+              </a:rPr>
+              <a:t>執行上傳作業，左邊是上傳時檔案的選取介面，右邊則是上傳程式的畫面，由於上傳時並不會去檢查本次上傳資料的詳細內容，所以可能會有兩種比較常見的錯誤情形，第一種是上傳的檔案內包含重複的資料，第二種則是上傳到不正確的檔案，以下來介紹遇到這兩種狀況時的程式會怎麼處理。</a:t>
             </a:r>
-            <a:endParaRPr lang="zh-CN" altLang="en-US" dirty="0"/>
+            <a:endParaRPr lang="zh-TW" altLang="zh-TW" sz="1200" dirty="0">
+              <a:latin typeface="Arial" charset="0"/>
+              <a:ea typeface="微软雅黑" charset="-122"/>
+            </a:endParaRPr>
           </a:p>
         </p:txBody>
       </p:sp>
@@ -730,35 +773,118 @@
           <a:bodyPr/>
           <a:lstStyle/>
           <a:p>
+            <a:pPr marL="215900" indent="-212725" eaLnBrk="1">
+              <a:spcBef>
+                <a:spcPct val="0"/>
+              </a:spcBef>
+              <a:buClrTx/>
+              <a:buFontTx/>
+              <a:buNone/>
+              <a:tabLst>
+                <a:tab pos="215900" algn="l"/>
+                <a:tab pos="663575" algn="l"/>
+                <a:tab pos="1112838" algn="l"/>
+                <a:tab pos="1562100" algn="l"/>
+                <a:tab pos="2011363" algn="l"/>
+                <a:tab pos="2460625" algn="l"/>
+                <a:tab pos="2909888" algn="l"/>
+                <a:tab pos="3359150" algn="l"/>
+                <a:tab pos="3808413" algn="l"/>
+                <a:tab pos="4257675" algn="l"/>
+                <a:tab pos="4706938" algn="l"/>
+                <a:tab pos="5156200" algn="l"/>
+                <a:tab pos="5605463" algn="l"/>
+                <a:tab pos="6054725" algn="l"/>
+                <a:tab pos="6503988" algn="l"/>
+                <a:tab pos="6953250" algn="l"/>
+                <a:tab pos="7402513" algn="l"/>
+                <a:tab pos="7851775" algn="l"/>
+                <a:tab pos="8301038" algn="l"/>
+                <a:tab pos="8750300" algn="l"/>
+                <a:tab pos="9199563" algn="l"/>
+              </a:tabLst>
+            </a:pPr>
             <a:r>
-              <a:rPr lang="zh-TW" altLang="en-US" dirty="0" smtClean="0"/>
-              <a:t>首先是上傳的資料含重複的內容，上傳程式會先到審核檔裡檢查是否有此統編的資料，如果有就不會跑到 </a:t>
+              <a:rPr lang="zh-TW" altLang="zh-TW" sz="1200" dirty="0" smtClean="0">
+                <a:latin typeface="Arial" charset="0"/>
+                <a:ea typeface="微软雅黑" charset="-122"/>
+              </a:rPr>
+              <a:t>首先是上傳的檔案含有重複的內容，上傳程式會先到審核檔裡檢查是否有此統編的資料，由於此專案一人只能申請一次，所以並不會有重複統編的情況，如果有程式就不會跑到 </a:t>
             </a:r>
             <a:r>
-              <a:rPr lang="en-US" altLang="zh-TW" dirty="0" smtClean="0"/>
+              <a:rPr lang="en-US" altLang="zh-TW" sz="1200" dirty="0" smtClean="0">
+                <a:latin typeface="Arial" charset="0"/>
+                <a:ea typeface="微软雅黑" charset="-122"/>
+              </a:rPr>
               <a:t>WRITE-LNMHA</a:t>
             </a:r>
             <a:r>
-              <a:rPr lang="zh-TW" altLang="en-US" dirty="0" smtClean="0"/>
-              <a:t>的段落，檢查</a:t>
+              <a:rPr lang="zh-TW" altLang="zh-TW" sz="1200" dirty="0" smtClean="0">
+                <a:latin typeface="Arial" charset="0"/>
+                <a:ea typeface="微软雅黑" charset="-122"/>
+              </a:rPr>
+              <a:t>的段落，而是直接跑到寫報表的段落，程式會去</a:t>
             </a:r>
             <a:r>
-              <a:rPr lang="en-US" altLang="zh-TW" dirty="0" smtClean="0"/>
+              <a:rPr lang="zh-TW" altLang="zh-TW" sz="1200" dirty="0" smtClean="0">
+                <a:latin typeface="Arial" charset="0"/>
+                <a:ea typeface="微软雅黑" charset="-122"/>
+              </a:rPr>
+              <a:t>檢查</a:t>
+            </a:r>
+            <a:r>
+              <a:rPr lang="zh-TW" altLang="en-US" sz="1200" dirty="0" smtClean="0">
+                <a:latin typeface="Arial" charset="0"/>
+                <a:ea typeface="微软雅黑" charset="-122"/>
+              </a:rPr>
+              <a:t>審核檔的</a:t>
+            </a:r>
+            <a:r>
+              <a:rPr lang="en-US" altLang="zh-TW" sz="1200" dirty="0" smtClean="0">
+                <a:latin typeface="Arial" charset="0"/>
+                <a:ea typeface="微软雅黑" charset="-122"/>
+              </a:rPr>
               <a:t>STATUS</a:t>
             </a:r>
             <a:r>
-              <a:rPr lang="zh-TW" altLang="en-US" dirty="0" smtClean="0"/>
+              <a:rPr lang="zh-TW" altLang="zh-TW" sz="1200" dirty="0" smtClean="0">
+                <a:latin typeface="Arial" charset="0"/>
+                <a:ea typeface="微软雅黑" charset="-122"/>
+              </a:rPr>
               <a:t>是不是</a:t>
             </a:r>
             <a:r>
-              <a:rPr lang="en-US" altLang="zh-TW" dirty="0" smtClean="0"/>
+              <a:rPr lang="en-US" altLang="zh-TW" sz="1200" dirty="0" smtClean="0">
+                <a:latin typeface="Arial" charset="0"/>
+                <a:ea typeface="微软雅黑" charset="-122"/>
+              </a:rPr>
               <a:t>23</a:t>
             </a:r>
             <a:r>
-              <a:rPr lang="zh-TW" altLang="en-US" dirty="0" smtClean="0"/>
-              <a:t>，如果是就會在報表輸出已有資料與件數。</a:t>
+              <a:rPr lang="zh-TW" altLang="zh-TW" sz="1200" dirty="0" smtClean="0">
+                <a:latin typeface="Arial" charset="0"/>
+                <a:ea typeface="微软雅黑" charset="-122"/>
+              </a:rPr>
+              <a:t>，如果是就會在報表輸出已有資料，不是的話就會在結果欄顯示目前的</a:t>
             </a:r>
-            <a:endParaRPr lang="zh-CN" altLang="en-US" dirty="0"/>
+            <a:r>
+              <a:rPr lang="en-US" altLang="zh-TW" sz="1200" dirty="0" smtClean="0">
+                <a:latin typeface="Arial" charset="0"/>
+                <a:ea typeface="微软雅黑" charset="-122"/>
+              </a:rPr>
+              <a:t>status</a:t>
+            </a:r>
+            <a:r>
+              <a:rPr lang="zh-TW" altLang="zh-TW" sz="1200" dirty="0" smtClean="0">
+                <a:latin typeface="Arial" charset="0"/>
+                <a:ea typeface="微软雅黑" charset="-122"/>
+              </a:rPr>
+              <a:t>。</a:t>
+            </a:r>
+            <a:endParaRPr lang="zh-TW" altLang="zh-TW" sz="1200" dirty="0">
+              <a:latin typeface="Arial" charset="0"/>
+              <a:ea typeface="微软雅黑" charset="-122"/>
+            </a:endParaRPr>
           </a:p>
         </p:txBody>
       </p:sp>
@@ -843,11 +969,48 @@
           <a:bodyPr/>
           <a:lstStyle/>
           <a:p>
+            <a:pPr marL="215900" indent="-212725" eaLnBrk="1">
+              <a:spcBef>
+                <a:spcPct val="0"/>
+              </a:spcBef>
+              <a:buClrTx/>
+              <a:buFontTx/>
+              <a:buNone/>
+              <a:tabLst>
+                <a:tab pos="215900" algn="l"/>
+                <a:tab pos="663575" algn="l"/>
+                <a:tab pos="1112838" algn="l"/>
+                <a:tab pos="1562100" algn="l"/>
+                <a:tab pos="2011363" algn="l"/>
+                <a:tab pos="2460625" algn="l"/>
+                <a:tab pos="2909888" algn="l"/>
+                <a:tab pos="3359150" algn="l"/>
+                <a:tab pos="3808413" algn="l"/>
+                <a:tab pos="4257675" algn="l"/>
+                <a:tab pos="4706938" algn="l"/>
+                <a:tab pos="5156200" algn="l"/>
+                <a:tab pos="5605463" algn="l"/>
+                <a:tab pos="6054725" algn="l"/>
+                <a:tab pos="6503988" algn="l"/>
+                <a:tab pos="6953250" algn="l"/>
+                <a:tab pos="7402513" algn="l"/>
+                <a:tab pos="7851775" algn="l"/>
+                <a:tab pos="8301038" algn="l"/>
+                <a:tab pos="8750300" algn="l"/>
+                <a:tab pos="9199563" algn="l"/>
+              </a:tabLst>
+            </a:pPr>
             <a:r>
-              <a:rPr lang="zh-TW" altLang="en-US" dirty="0" smtClean="0"/>
-              <a:t>再來是上傳錯誤的部分，目前採取的方式是每次上傳前程式會檢查今天是否已經有上傳過資料，再次上傳就會將今天上傳過的資料刪除，如果有遺漏資料或是上傳錯誤都會使用此方式，因為是根據日期做處理，所以每次上傳後審查部需要到維護程式簡單查看是否有錯，如果不是當天發現就只能一筆一筆刪除。</a:t>
+              <a:rPr lang="zh-TW" altLang="zh-TW" sz="1200" dirty="0" smtClean="0">
+                <a:latin typeface="Arial" charset="0"/>
+                <a:ea typeface="微软雅黑" charset="-122"/>
+              </a:rPr>
+              <a:t>再來是上傳錯誤的部分，目前採取的方式是每次上傳前程式都會檢查今天是否已經有上傳過資料，上傳過的話就會跑出左邊這個提示訊息，再次上傳會先將今天上傳過的資料全部刪除，在上傳新的檔案，如果有審查部遺漏上傳的資料或是上傳錯誤的檔案就會使用此方式，因為是根據上傳日期做處理，所以每次上傳後都會請審查部到維護程式簡單查看上傳的內容是否有錯，如果不是當天發現就只能一筆一筆刪除，造成後續的麻煩。</a:t>
             </a:r>
-            <a:endParaRPr lang="zh-CN" altLang="en-US" dirty="0"/>
+            <a:endParaRPr lang="zh-TW" altLang="zh-TW" sz="1200" dirty="0">
+              <a:latin typeface="Arial" charset="0"/>
+              <a:ea typeface="微软雅黑" charset="-122"/>
+            </a:endParaRPr>
           </a:p>
         </p:txBody>
       </p:sp>
@@ -1017,43 +1180,195 @@
           <a:bodyPr/>
           <a:lstStyle/>
           <a:p>
+            <a:pPr marL="215900" indent="-212725" eaLnBrk="1">
+              <a:spcBef>
+                <a:spcPct val="0"/>
+              </a:spcBef>
+              <a:buClrTx/>
+              <a:buFontTx/>
+              <a:buNone/>
+              <a:tabLst>
+                <a:tab pos="215900" algn="l"/>
+                <a:tab pos="663575" algn="l"/>
+                <a:tab pos="1112838" algn="l"/>
+                <a:tab pos="1562100" algn="l"/>
+                <a:tab pos="2011363" algn="l"/>
+                <a:tab pos="2460625" algn="l"/>
+                <a:tab pos="2909888" algn="l"/>
+                <a:tab pos="3359150" algn="l"/>
+                <a:tab pos="3808413" algn="l"/>
+                <a:tab pos="4257675" algn="l"/>
+                <a:tab pos="4706938" algn="l"/>
+                <a:tab pos="5156200" algn="l"/>
+                <a:tab pos="5605463" algn="l"/>
+                <a:tab pos="6054725" algn="l"/>
+                <a:tab pos="6503988" algn="l"/>
+                <a:tab pos="6953250" algn="l"/>
+                <a:tab pos="7402513" algn="l"/>
+                <a:tab pos="7851775" algn="l"/>
+                <a:tab pos="8301038" algn="l"/>
+                <a:tab pos="8750300" algn="l"/>
+                <a:tab pos="9199563" algn="l"/>
+              </a:tabLst>
+            </a:pPr>
             <a:r>
-              <a:rPr lang="zh-TW" altLang="en-US" dirty="0" smtClean="0"/>
-              <a:t>這是審核檔的</a:t>
+              <a:rPr lang="zh-TW" altLang="zh-TW" sz="1200" dirty="0" smtClean="0">
+                <a:latin typeface="Arial" charset="0"/>
+                <a:ea typeface="微软雅黑" charset="-122"/>
+              </a:rPr>
+              <a:t>這是COAT內審核檔的</a:t>
             </a:r>
             <a:r>
-              <a:rPr lang="en-US" altLang="zh-TW" dirty="0" smtClean="0"/>
+              <a:rPr lang="en-US" altLang="zh-TW" sz="1200" dirty="0" smtClean="0">
+                <a:latin typeface="Arial" charset="0"/>
+                <a:ea typeface="微软雅黑" charset="-122"/>
+              </a:rPr>
               <a:t>FD</a:t>
             </a:r>
             <a:r>
-              <a:rPr lang="zh-TW" altLang="en-US" dirty="0" smtClean="0"/>
+              <a:rPr lang="zh-TW" altLang="zh-TW" sz="1200" dirty="0" smtClean="0">
+                <a:latin typeface="Arial" charset="0"/>
+                <a:ea typeface="微软雅黑" charset="-122"/>
+              </a:rPr>
               <a:t>，主</a:t>
             </a:r>
             <a:r>
-              <a:rPr lang="en-US" altLang="zh-TW" dirty="0" smtClean="0"/>
+              <a:rPr lang="en-US" altLang="zh-TW" sz="1200" dirty="0" smtClean="0">
+                <a:latin typeface="Arial" charset="0"/>
+                <a:ea typeface="微软雅黑" charset="-122"/>
+              </a:rPr>
               <a:t>KEY</a:t>
             </a:r>
             <a:r>
-              <a:rPr lang="zh-TW" altLang="en-US" dirty="0" smtClean="0"/>
-              <a:t>是身分證號，與貸款單位與帳號組成的</a:t>
+              <a:rPr lang="zh-TW" altLang="zh-TW" sz="1200" dirty="0" smtClean="0">
+                <a:latin typeface="Arial" charset="0"/>
+                <a:ea typeface="微软雅黑" charset="-122"/>
+              </a:rPr>
+              <a:t>是客戶的身分證號，與貸款單位和放款帳號</a:t>
             </a:r>
             <a:r>
-              <a:rPr lang="en-US" altLang="zh-TW" dirty="0" smtClean="0"/>
+              <a:rPr lang="zh-TW" altLang="zh-TW" sz="1200" dirty="0" smtClean="0">
+                <a:latin typeface="Arial" charset="0"/>
+                <a:ea typeface="微软雅黑" charset="-122"/>
+              </a:rPr>
+              <a:t>組成</a:t>
+            </a:r>
+            <a:r>
+              <a:rPr lang="zh-TW" altLang="en-US" sz="1200" dirty="0" smtClean="0">
+                <a:latin typeface="Arial" charset="0"/>
+                <a:ea typeface="微软雅黑" charset="-122"/>
+              </a:rPr>
+              <a:t>一組</a:t>
+            </a:r>
+            <a:r>
+              <a:rPr lang="zh-TW" altLang="zh-TW" sz="1200" dirty="0" smtClean="0">
+                <a:latin typeface="Arial" charset="0"/>
+                <a:ea typeface="微软雅黑" charset="-122"/>
+              </a:rPr>
+              <a:t>不可</a:t>
+            </a:r>
+            <a:r>
+              <a:rPr lang="zh-TW" altLang="zh-TW" sz="1200" dirty="0" smtClean="0">
+                <a:latin typeface="Arial" charset="0"/>
+                <a:ea typeface="微软雅黑" charset="-122"/>
+              </a:rPr>
+              <a:t>重複的</a:t>
+            </a:r>
+            <a:r>
+              <a:rPr lang="en-US" altLang="zh-TW" sz="1200" dirty="0" smtClean="0">
+                <a:latin typeface="Arial" charset="0"/>
+                <a:ea typeface="微软雅黑" charset="-122"/>
+              </a:rPr>
               <a:t>KEY2</a:t>
             </a:r>
             <a:r>
-              <a:rPr lang="zh-TW" altLang="en-US" dirty="0" smtClean="0"/>
-              <a:t>不可重複，資料產生日期以上傳當天為準，</a:t>
+              <a:rPr lang="zh-TW" altLang="zh-TW" sz="1200" dirty="0" smtClean="0">
+                <a:latin typeface="Arial" charset="0"/>
+                <a:ea typeface="微软雅黑" charset="-122"/>
+              </a:rPr>
+              <a:t>，資料產生日期是以審查部上傳當天為準，</a:t>
             </a:r>
             <a:r>
-              <a:rPr lang="en-US" altLang="zh-TW" dirty="0" smtClean="0"/>
+              <a:rPr lang="en-US" altLang="zh-TW" sz="1200" dirty="0" smtClean="0">
+                <a:latin typeface="Arial" charset="0"/>
+                <a:ea typeface="微软雅黑" charset="-122"/>
+              </a:rPr>
               <a:t>DATA</a:t>
             </a:r>
             <a:r>
-              <a:rPr lang="zh-TW" altLang="en-US" dirty="0" smtClean="0"/>
-              <a:t>以下的部分是待審核的資料與回覆營建署的日期</a:t>
+              <a:rPr lang="zh-TW" altLang="zh-TW" sz="1200" dirty="0" smtClean="0">
+                <a:latin typeface="Arial" charset="0"/>
+                <a:ea typeface="微软雅黑" charset="-122"/>
+              </a:rPr>
+              <a:t>以下的部分是供分行填入的待審核資料，</a:t>
             </a:r>
-            <a:endParaRPr lang="zh-CN" altLang="en-US" dirty="0"/>
+            <a:r>
+              <a:rPr lang="zh-TW" altLang="zh-TW" sz="1200" dirty="0" smtClean="0">
+                <a:latin typeface="Arial" charset="0"/>
+                <a:ea typeface="微软雅黑" charset="-122"/>
+              </a:rPr>
+              <a:t>與</a:t>
+            </a:r>
+            <a:r>
+              <a:rPr lang="zh-TW" altLang="en-US" sz="1200" dirty="0" smtClean="0">
+                <a:latin typeface="Arial" charset="0"/>
+                <a:ea typeface="微软雅黑" charset="-122"/>
+              </a:rPr>
+              <a:t>最後</a:t>
+            </a:r>
+            <a:r>
+              <a:rPr lang="zh-TW" altLang="zh-TW" sz="1200" dirty="0" smtClean="0">
+                <a:latin typeface="Arial" charset="0"/>
+                <a:ea typeface="微软雅黑" charset="-122"/>
+              </a:rPr>
+              <a:t>審查</a:t>
+            </a:r>
+            <a:r>
+              <a:rPr lang="zh-TW" altLang="zh-TW" sz="1200" dirty="0" smtClean="0">
+                <a:latin typeface="Arial" charset="0"/>
+                <a:ea typeface="微软雅黑" charset="-122"/>
+              </a:rPr>
+              <a:t>結束後審查</a:t>
+            </a:r>
+            <a:r>
+              <a:rPr lang="zh-TW" altLang="zh-TW" sz="1200" dirty="0" smtClean="0">
+                <a:latin typeface="Arial" charset="0"/>
+                <a:ea typeface="微软雅黑" charset="-122"/>
+              </a:rPr>
+              <a:t>部執行</a:t>
+            </a:r>
+            <a:r>
+              <a:rPr lang="zh-TW" altLang="zh-TW" sz="1200" dirty="0" smtClean="0">
+                <a:latin typeface="Arial" charset="0"/>
+                <a:ea typeface="微软雅黑" charset="-122"/>
+              </a:rPr>
+              <a:t>回覆營建署的</a:t>
+            </a:r>
+            <a:r>
+              <a:rPr lang="zh-TW" altLang="zh-TW" sz="1200" dirty="0" smtClean="0">
+                <a:latin typeface="Arial" charset="0"/>
+                <a:ea typeface="微软雅黑" charset="-122"/>
+              </a:rPr>
+              <a:t>日期</a:t>
+            </a:r>
+            <a:r>
+              <a:rPr lang="zh-TW" altLang="en-US" sz="1200" dirty="0" smtClean="0">
+                <a:latin typeface="Arial" charset="0"/>
+                <a:ea typeface="微软雅黑" charset="-122"/>
+              </a:rPr>
+              <a:t>，當作</a:t>
+            </a:r>
+            <a:r>
+              <a:rPr lang="en-US" altLang="zh-TW" sz="1200" dirty="0" smtClean="0">
+                <a:latin typeface="Arial" charset="0"/>
+                <a:ea typeface="微软雅黑" charset="-122"/>
+              </a:rPr>
+              <a:t>key3</a:t>
+            </a:r>
+            <a:endParaRPr lang="zh-TW" altLang="zh-TW" sz="1200" dirty="0">
+              <a:latin typeface="Arial" charset="0"/>
+              <a:ea typeface="微软雅黑" charset="-122"/>
+            </a:endParaRPr>
           </a:p>
         </p:txBody>
       </p:sp>
@@ -1138,59 +1453,286 @@
           <a:bodyPr/>
           <a:lstStyle/>
           <a:p>
+            <a:pPr marL="215900" indent="-212725" eaLnBrk="1">
+              <a:spcBef>
+                <a:spcPct val="0"/>
+              </a:spcBef>
+              <a:buClrTx/>
+              <a:buFontTx/>
+              <a:buNone/>
+              <a:tabLst>
+                <a:tab pos="215900" algn="l"/>
+                <a:tab pos="663575" algn="l"/>
+                <a:tab pos="1112838" algn="l"/>
+                <a:tab pos="1562100" algn="l"/>
+                <a:tab pos="2011363" algn="l"/>
+                <a:tab pos="2460625" algn="l"/>
+                <a:tab pos="2909888" algn="l"/>
+                <a:tab pos="3359150" algn="l"/>
+                <a:tab pos="3808413" algn="l"/>
+                <a:tab pos="4257675" algn="l"/>
+                <a:tab pos="4706938" algn="l"/>
+                <a:tab pos="5156200" algn="l"/>
+                <a:tab pos="5605463" algn="l"/>
+                <a:tab pos="6054725" algn="l"/>
+                <a:tab pos="6503988" algn="l"/>
+                <a:tab pos="6953250" algn="l"/>
+                <a:tab pos="7402513" algn="l"/>
+                <a:tab pos="7851775" algn="l"/>
+                <a:tab pos="8301038" algn="l"/>
+                <a:tab pos="8750300" algn="l"/>
+                <a:tab pos="9199563" algn="l"/>
+              </a:tabLst>
+            </a:pPr>
             <a:r>
-              <a:rPr lang="zh-TW" altLang="en-US" dirty="0" smtClean="0"/>
-              <a:t>再來是分行端的審核作業，分行只能看到自行的案件，貸款單位的抓取方式是讀</a:t>
+              <a:rPr lang="zh-TW" altLang="zh-TW" sz="1200" dirty="0" smtClean="0">
+                <a:latin typeface="Arial" charset="0"/>
+                <a:ea typeface="微软雅黑" charset="-122"/>
+              </a:rPr>
+              <a:t>再來是分行端的審核作業，分行只能</a:t>
             </a:r>
             <a:r>
-              <a:rPr lang="en-US" altLang="zh-TW" dirty="0" smtClean="0"/>
+              <a:rPr lang="zh-TW" altLang="zh-TW" sz="1200" dirty="0" smtClean="0">
+                <a:latin typeface="Arial" charset="0"/>
+                <a:ea typeface="微软雅黑" charset="-122"/>
+              </a:rPr>
+              <a:t>看到</a:t>
+            </a:r>
+            <a:r>
+              <a:rPr lang="zh-TW" altLang="en-US" sz="1200" dirty="0" smtClean="0">
+                <a:latin typeface="Arial" charset="0"/>
+                <a:ea typeface="微软雅黑" charset="-122"/>
+              </a:rPr>
+              <a:t>與修改</a:t>
+            </a:r>
+            <a:r>
+              <a:rPr lang="zh-TW" altLang="zh-TW" sz="1200" dirty="0" smtClean="0">
+                <a:latin typeface="Arial" charset="0"/>
+                <a:ea typeface="微软雅黑" charset="-122"/>
+              </a:rPr>
+              <a:t>自行</a:t>
+            </a:r>
+            <a:r>
+              <a:rPr lang="zh-TW" altLang="zh-TW" sz="1200" dirty="0" smtClean="0">
+                <a:latin typeface="Arial" charset="0"/>
+                <a:ea typeface="微软雅黑" charset="-122"/>
+              </a:rPr>
+              <a:t>的案件，案件所屬的貸款</a:t>
+            </a:r>
+            <a:r>
+              <a:rPr lang="zh-TW" altLang="zh-TW" sz="1200" dirty="0" smtClean="0">
+                <a:latin typeface="Arial" charset="0"/>
+                <a:ea typeface="微软雅黑" charset="-122"/>
+              </a:rPr>
+              <a:t>單位</a:t>
+            </a:r>
+            <a:r>
+              <a:rPr lang="zh-TW" altLang="en-US" sz="1200" dirty="0" smtClean="0">
+                <a:latin typeface="Arial" charset="0"/>
+                <a:ea typeface="微软雅黑" charset="-122"/>
+              </a:rPr>
+              <a:t>的</a:t>
+            </a:r>
+            <a:r>
+              <a:rPr lang="zh-TW" altLang="zh-TW" sz="1200" dirty="0" smtClean="0">
+                <a:latin typeface="Arial" charset="0"/>
+                <a:ea typeface="微软雅黑" charset="-122"/>
+              </a:rPr>
+              <a:t>抓取</a:t>
+            </a:r>
+            <a:r>
+              <a:rPr lang="zh-TW" altLang="zh-TW" sz="1200" dirty="0" smtClean="0">
+                <a:latin typeface="Arial" charset="0"/>
+                <a:ea typeface="微软雅黑" charset="-122"/>
+              </a:rPr>
+              <a:t>方式是</a:t>
+            </a:r>
+            <a:r>
+              <a:rPr lang="zh-TW" altLang="zh-TW" sz="1200" dirty="0" smtClean="0">
+                <a:latin typeface="Arial" charset="0"/>
+                <a:ea typeface="微软雅黑" charset="-122"/>
+              </a:rPr>
+              <a:t>讀</a:t>
+            </a:r>
+            <a:r>
+              <a:rPr lang="zh-TW" altLang="en-US" sz="1200" dirty="0" smtClean="0">
+                <a:latin typeface="Arial" charset="0"/>
+                <a:ea typeface="微软雅黑" charset="-122"/>
+              </a:rPr>
+              <a:t>取</a:t>
+            </a:r>
+            <a:r>
+              <a:rPr lang="en-US" altLang="zh-TW" sz="1200" dirty="0" smtClean="0">
+                <a:latin typeface="Arial" charset="0"/>
+                <a:ea typeface="微软雅黑" charset="-122"/>
+              </a:rPr>
               <a:t>112</a:t>
             </a:r>
             <a:r>
-              <a:rPr lang="zh-TW" altLang="en-US" dirty="0" smtClean="0"/>
+              <a:rPr lang="zh-TW" altLang="zh-TW" sz="1200" dirty="0" smtClean="0">
+                <a:latin typeface="Arial" charset="0"/>
+                <a:ea typeface="微软雅黑" charset="-122"/>
+              </a:rPr>
               <a:t>年</a:t>
             </a:r>
             <a:r>
-              <a:rPr lang="en-US" altLang="zh-TW" dirty="0" smtClean="0"/>
+              <a:rPr lang="en-US" altLang="zh-TW" sz="1200" dirty="0" smtClean="0">
+                <a:latin typeface="Arial" charset="0"/>
+                <a:ea typeface="微软雅黑" charset="-122"/>
+              </a:rPr>
               <a:t>2</a:t>
             </a:r>
             <a:r>
-              <a:rPr lang="zh-TW" altLang="en-US" dirty="0" smtClean="0"/>
-              <a:t>月底的放款餘額是否有資料，這樣抓的好處是可以直接知道審核項目的第一項</a:t>
+              <a:rPr lang="zh-TW" altLang="zh-TW" sz="1200" dirty="0" smtClean="0">
+                <a:latin typeface="Arial" charset="0"/>
+                <a:ea typeface="微软雅黑" charset="-122"/>
+              </a:rPr>
+              <a:t>月底的放款餘額是否有</a:t>
             </a:r>
             <a:r>
-              <a:rPr lang="en-US" altLang="zh-TW" dirty="0" smtClean="0"/>
+              <a:rPr lang="zh-TW" altLang="zh-TW" sz="1200" dirty="0" smtClean="0">
+                <a:latin typeface="Arial" charset="0"/>
+                <a:ea typeface="微软雅黑" charset="-122"/>
+              </a:rPr>
+              <a:t>資料</a:t>
+            </a:r>
+            <a:r>
+              <a:rPr lang="zh-TW" altLang="en-US" sz="1200" dirty="0" smtClean="0">
+                <a:latin typeface="Arial" charset="0"/>
+                <a:ea typeface="微软雅黑" charset="-122"/>
+              </a:rPr>
+              <a:t>，也就是右邊這個</a:t>
+            </a:r>
+            <a:r>
+              <a:rPr lang="en-US" altLang="zh-TW" sz="1200" dirty="0" err="1" smtClean="0">
+                <a:latin typeface="Arial" charset="0"/>
+                <a:ea typeface="微软雅黑" charset="-122"/>
+              </a:rPr>
+              <a:t>lmsfbf</a:t>
+            </a:r>
+            <a:r>
+              <a:rPr lang="zh-TW" altLang="en-US" sz="1200" dirty="0" smtClean="0">
+                <a:latin typeface="Arial" charset="0"/>
+                <a:ea typeface="微软雅黑" charset="-122"/>
+              </a:rPr>
+              <a:t>檔案</a:t>
+            </a:r>
+            <a:r>
+              <a:rPr lang="zh-TW" altLang="zh-TW" sz="1200" dirty="0" smtClean="0">
+                <a:latin typeface="Arial" charset="0"/>
+                <a:ea typeface="微软雅黑" charset="-122"/>
+              </a:rPr>
+              <a:t>，</a:t>
+            </a:r>
+            <a:r>
+              <a:rPr lang="zh-TW" altLang="zh-TW" sz="1200" dirty="0" smtClean="0">
+                <a:latin typeface="Arial" charset="0"/>
+                <a:ea typeface="微软雅黑" charset="-122"/>
+              </a:rPr>
+              <a:t>這樣抓的好處是可以直接知道審核項目的第一項</a:t>
+            </a:r>
+            <a:r>
+              <a:rPr lang="en-US" altLang="zh-TW" sz="1200" dirty="0" smtClean="0">
+                <a:latin typeface="Arial" charset="0"/>
+                <a:ea typeface="微软雅黑" charset="-122"/>
+              </a:rPr>
               <a:t>112</a:t>
             </a:r>
             <a:r>
-              <a:rPr lang="zh-TW" altLang="en-US" dirty="0" smtClean="0"/>
+              <a:rPr lang="zh-TW" altLang="zh-TW" sz="1200" dirty="0" smtClean="0">
+                <a:latin typeface="Arial" charset="0"/>
+                <a:ea typeface="微软雅黑" charset="-122"/>
+              </a:rPr>
               <a:t>年</a:t>
             </a:r>
             <a:r>
-              <a:rPr lang="en-US" altLang="zh-TW" dirty="0" smtClean="0"/>
+              <a:rPr lang="en-US" altLang="zh-TW" sz="1200" dirty="0" smtClean="0">
+                <a:latin typeface="Arial" charset="0"/>
+                <a:ea typeface="微软雅黑" charset="-122"/>
+              </a:rPr>
               <a:t>2</a:t>
             </a:r>
             <a:r>
-              <a:rPr lang="zh-TW" altLang="en-US" dirty="0" smtClean="0"/>
+              <a:rPr lang="zh-TW" altLang="zh-TW" sz="1200" dirty="0" smtClean="0">
+                <a:latin typeface="Arial" charset="0"/>
+                <a:ea typeface="微软雅黑" charset="-122"/>
+              </a:rPr>
               <a:t>月</a:t>
             </a:r>
             <a:r>
-              <a:rPr lang="en-US" altLang="zh-TW" dirty="0" smtClean="0"/>
+              <a:rPr lang="en-US" altLang="zh-TW" sz="1200" dirty="0" smtClean="0">
+                <a:latin typeface="Arial" charset="0"/>
+                <a:ea typeface="微软雅黑" charset="-122"/>
+              </a:rPr>
               <a:t>28</a:t>
             </a:r>
             <a:r>
-              <a:rPr lang="zh-TW" altLang="en-US" dirty="0" smtClean="0"/>
-              <a:t>日是否在本行有有效契約，如果申請時填錯分行也不會受影響，若是在</a:t>
+              <a:rPr lang="zh-TW" altLang="zh-TW" sz="1200" dirty="0" smtClean="0">
+                <a:latin typeface="Arial" charset="0"/>
+                <a:ea typeface="微软雅黑" charset="-122"/>
+              </a:rPr>
+              <a:t>日是否在本行有</a:t>
             </a:r>
             <a:r>
-              <a:rPr lang="en-US" altLang="zh-TW" dirty="0" smtClean="0"/>
-              <a:t>LMSFBF</a:t>
+              <a:rPr lang="zh-TW" altLang="zh-TW" sz="1200" dirty="0" smtClean="0">
+                <a:latin typeface="Arial" charset="0"/>
+                <a:ea typeface="微软雅黑" charset="-122"/>
+              </a:rPr>
+              <a:t>有效</a:t>
             </a:r>
             <a:r>
-              <a:rPr lang="zh-TW" altLang="en-US" dirty="0" smtClean="0"/>
-              <a:t>中讀不到代表有錯誤。</a:t>
+              <a:rPr lang="zh-TW" altLang="en-US" sz="1200" dirty="0" smtClean="0">
+                <a:latin typeface="Arial" charset="0"/>
+                <a:ea typeface="微软雅黑" charset="-122"/>
+              </a:rPr>
+              <a:t>貸款</a:t>
             </a:r>
-            <a:endParaRPr lang="zh-CN" altLang="en-US" dirty="0"/>
+            <a:r>
+              <a:rPr lang="zh-TW" altLang="zh-TW" sz="1200" dirty="0" smtClean="0">
+                <a:latin typeface="Arial" charset="0"/>
+                <a:ea typeface="微软雅黑" charset="-122"/>
+              </a:rPr>
+              <a:t>契約</a:t>
+            </a:r>
+            <a:r>
+              <a:rPr lang="zh-TW" altLang="zh-TW" sz="1200" dirty="0" smtClean="0">
+                <a:latin typeface="Arial" charset="0"/>
+                <a:ea typeface="微软雅黑" charset="-122"/>
+              </a:rPr>
+              <a:t>，如果申請時填錯分行也不會受影響，</a:t>
+            </a:r>
+            <a:r>
+              <a:rPr lang="zh-TW" altLang="zh-TW" sz="1200" dirty="0" smtClean="0">
+                <a:latin typeface="Arial" charset="0"/>
+                <a:ea typeface="微软雅黑" charset="-122"/>
+              </a:rPr>
+              <a:t>基本上</a:t>
+            </a:r>
+            <a:r>
+              <a:rPr lang="zh-TW" altLang="en-US" sz="1200" dirty="0" smtClean="0">
+                <a:latin typeface="Arial" charset="0"/>
+                <a:ea typeface="微软雅黑" charset="-122"/>
+              </a:rPr>
+              <a:t>通過營建署</a:t>
+            </a:r>
+            <a:r>
+              <a:rPr lang="zh-TW" altLang="zh-TW" sz="1200" dirty="0" smtClean="0">
+                <a:latin typeface="Arial" charset="0"/>
+                <a:ea typeface="微软雅黑" charset="-122"/>
+              </a:rPr>
+              <a:t>申請的</a:t>
+            </a:r>
+            <a:r>
+              <a:rPr lang="zh-TW" altLang="zh-TW" sz="1200" dirty="0" smtClean="0">
+                <a:latin typeface="Arial" charset="0"/>
+                <a:ea typeface="微软雅黑" charset="-122"/>
+              </a:rPr>
+              <a:t>資料都可以在放款餘額中找到相對應的放款帳號，若是讀不到資料就需要審查部去了解此一案件的實際情形。</a:t>
+            </a:r>
+            <a:endParaRPr lang="zh-TW" altLang="zh-TW" sz="1200" dirty="0">
+              <a:latin typeface="Arial" charset="0"/>
+              <a:ea typeface="微软雅黑" charset="-122"/>
+            </a:endParaRPr>
           </a:p>
         </p:txBody>
       </p:sp>
@@ -1275,27 +1817,97 @@
           <a:bodyPr/>
           <a:lstStyle/>
           <a:p>
+            <a:pPr marL="215900" indent="-212725" eaLnBrk="1">
+              <a:spcBef>
+                <a:spcPct val="0"/>
+              </a:spcBef>
+              <a:buClrTx/>
+              <a:buFontTx/>
+              <a:buNone/>
+              <a:tabLst>
+                <a:tab pos="215900" algn="l"/>
+                <a:tab pos="663575" algn="l"/>
+                <a:tab pos="1112838" algn="l"/>
+                <a:tab pos="1562100" algn="l"/>
+                <a:tab pos="2011363" algn="l"/>
+                <a:tab pos="2460625" algn="l"/>
+                <a:tab pos="2909888" algn="l"/>
+                <a:tab pos="3359150" algn="l"/>
+                <a:tab pos="3808413" algn="l"/>
+                <a:tab pos="4257675" algn="l"/>
+                <a:tab pos="4706938" algn="l"/>
+                <a:tab pos="5156200" algn="l"/>
+                <a:tab pos="5605463" algn="l"/>
+                <a:tab pos="6054725" algn="l"/>
+                <a:tab pos="6503988" algn="l"/>
+                <a:tab pos="6953250" algn="l"/>
+                <a:tab pos="7402513" algn="l"/>
+                <a:tab pos="7851775" algn="l"/>
+                <a:tab pos="8301038" algn="l"/>
+                <a:tab pos="8750300" algn="l"/>
+                <a:tab pos="9199563" algn="l"/>
+              </a:tabLst>
+            </a:pPr>
             <a:r>
-              <a:rPr lang="zh-TW" altLang="en-US" dirty="0" smtClean="0"/>
-              <a:t>上圖是</a:t>
+              <a:rPr lang="zh-TW" altLang="zh-TW" sz="1200" dirty="0" smtClean="0">
+                <a:latin typeface="Arial" charset="0"/>
+                <a:ea typeface="微软雅黑" charset="-122"/>
+              </a:rPr>
+              <a:t>上圖就是</a:t>
             </a:r>
             <a:r>
-              <a:rPr lang="en-US" altLang="zh-TW" dirty="0" smtClean="0"/>
+              <a:rPr lang="en-US" altLang="zh-TW" sz="1200" dirty="0" smtClean="0">
+                <a:latin typeface="Arial" charset="0"/>
+                <a:ea typeface="微软雅黑" charset="-122"/>
+              </a:rPr>
               <a:t>2</a:t>
             </a:r>
             <a:r>
-              <a:rPr lang="zh-TW" altLang="en-US" dirty="0" smtClean="0"/>
-              <a:t>月底放款餘額讀不到的情況，抓不到資料時，程式會自動將審核項目全部填入</a:t>
+              <a:rPr lang="zh-TW" altLang="zh-TW" sz="1200" dirty="0" smtClean="0">
+                <a:latin typeface="Arial" charset="0"/>
+                <a:ea typeface="微软雅黑" charset="-122"/>
+              </a:rPr>
+              <a:t>月底放款餘額讀不到的情況，抓不到資料時，程式會自動將放款單位與帳號全部填入空白，並且將審核項目全部填入</a:t>
             </a:r>
             <a:r>
-              <a:rPr lang="en-US" altLang="zh-TW" dirty="0" smtClean="0"/>
+              <a:rPr lang="en-US" altLang="zh-TW" sz="1200" dirty="0" smtClean="0">
+                <a:latin typeface="Arial" charset="0"/>
+                <a:ea typeface="微软雅黑" charset="-122"/>
+              </a:rPr>
               <a:t>N</a:t>
             </a:r>
             <a:r>
-              <a:rPr lang="zh-TW" altLang="en-US" dirty="0" smtClean="0"/>
-              <a:t>，當作已審核資料等待審查部回覆，如果審查部遇到特殊情況，可以在修改時輸入特殊鍵將資料強制歸到某一單位進行審核。</a:t>
+              <a:rPr lang="zh-TW" altLang="zh-TW" sz="1200" dirty="0" smtClean="0">
+                <a:latin typeface="Arial" charset="0"/>
+                <a:ea typeface="微软雅黑" charset="-122"/>
+              </a:rPr>
+              <a:t>，當作是一筆已審核且未通過的資料等待審查部執行審核回覆，如果審查部遇到特殊情況，可以在修改時輸入特殊鍵將資料強制歸到某一單位進行</a:t>
             </a:r>
-            <a:endParaRPr lang="zh-CN" altLang="en-US" dirty="0"/>
+            <a:r>
+              <a:rPr lang="zh-TW" altLang="zh-TW" sz="1200" dirty="0" smtClean="0">
+                <a:latin typeface="Arial" charset="0"/>
+                <a:ea typeface="微软雅黑" charset="-122"/>
+              </a:rPr>
+              <a:t>審核</a:t>
+            </a:r>
+            <a:r>
+              <a:rPr lang="zh-TW" altLang="en-US" sz="1200" dirty="0" smtClean="0">
+                <a:latin typeface="Arial" charset="0"/>
+                <a:ea typeface="微软雅黑" charset="-122"/>
+              </a:rPr>
+              <a:t>，不過通常不會發生這種情況</a:t>
+            </a:r>
+            <a:r>
+              <a:rPr lang="zh-TW" altLang="zh-TW" sz="1200" dirty="0" smtClean="0">
+                <a:latin typeface="Arial" charset="0"/>
+                <a:ea typeface="微软雅黑" charset="-122"/>
+              </a:rPr>
+              <a:t>。</a:t>
+            </a:r>
+            <a:endParaRPr lang="zh-TW" altLang="zh-TW" sz="1200" dirty="0">
+              <a:latin typeface="Arial" charset="0"/>
+              <a:ea typeface="微软雅黑" charset="-122"/>
+            </a:endParaRPr>
           </a:p>
         </p:txBody>
       </p:sp>
@@ -1380,18 +1992,55 @@
           <a:bodyPr/>
           <a:lstStyle/>
           <a:p>
+            <a:pPr marL="215900" indent="-212725" eaLnBrk="1">
+              <a:spcBef>
+                <a:spcPct val="0"/>
+              </a:spcBef>
+              <a:buClrTx/>
+              <a:buFontTx/>
+              <a:buNone/>
+              <a:tabLst>
+                <a:tab pos="215900" algn="l"/>
+                <a:tab pos="663575" algn="l"/>
+                <a:tab pos="1112838" algn="l"/>
+                <a:tab pos="1562100" algn="l"/>
+                <a:tab pos="2011363" algn="l"/>
+                <a:tab pos="2460625" algn="l"/>
+                <a:tab pos="2909888" algn="l"/>
+                <a:tab pos="3359150" algn="l"/>
+                <a:tab pos="3808413" algn="l"/>
+                <a:tab pos="4257675" algn="l"/>
+                <a:tab pos="4706938" algn="l"/>
+                <a:tab pos="5156200" algn="l"/>
+                <a:tab pos="5605463" algn="l"/>
+                <a:tab pos="6054725" algn="l"/>
+                <a:tab pos="6503988" algn="l"/>
+                <a:tab pos="6953250" algn="l"/>
+                <a:tab pos="7402513" algn="l"/>
+                <a:tab pos="7851775" algn="l"/>
+                <a:tab pos="8301038" algn="l"/>
+                <a:tab pos="8750300" algn="l"/>
+                <a:tab pos="9199563" algn="l"/>
+              </a:tabLst>
+            </a:pPr>
             <a:r>
-              <a:rPr lang="zh-TW" altLang="en-US" dirty="0" smtClean="0"/>
-              <a:t>螢幕上兩張圖是審查部執行回覆審核結果時的截圖，第一張圖是一般情況下，產生分行審核後的檔案並下載到電腦，第二張圖則是在審查部</a:t>
+              <a:rPr lang="zh-TW" altLang="zh-TW" sz="1200" dirty="0" smtClean="0">
+                <a:latin typeface="Arial" charset="0"/>
+                <a:ea typeface="微软雅黑" charset="-122"/>
+              </a:rPr>
+              <a:t>螢幕上兩張圖是審查部執行回覆審核結果時的截圖，第一張圖是一般情況下，將已經審核的案件抓出來產生審核結果檔案並下載到電腦，第二張圖則是在審查部</a:t>
             </a:r>
             <a:r>
-              <a:rPr lang="zh-TW" altLang="en-US" dirty="0" smtClean="0">
-                <a:latin typeface="標楷體" pitchFamily="65" charset="-120"/>
-                <a:ea typeface="標楷體" pitchFamily="65" charset="-120"/>
+              <a:rPr lang="zh-TW" altLang="zh-TW" sz="1200" dirty="0" smtClean="0">
+                <a:latin typeface="標楷體" pitchFamily="64" charset="-120"/>
+                <a:ea typeface="標楷體" pitchFamily="64" charset="-120"/>
               </a:rPr>
-              <a:t>產生結果檔後，分行新增審核完成案件，或是需要產生特定審核日期的檔案，就會按下特殊鍵後輸入指定的日期。</a:t>
+              <a:t>產生結果檔後，分行又新增審核完成的案件，或是需要產生特定審核日期的檔案，就會按下特殊鍵後輸入指定的日期後產生檔案。</a:t>
             </a:r>
-            <a:endParaRPr lang="zh-CN" altLang="en-US" dirty="0"/>
+            <a:endParaRPr lang="zh-TW" altLang="zh-TW" sz="1200" dirty="0">
+              <a:latin typeface="標楷體" pitchFamily="64" charset="-120"/>
+              <a:ea typeface="標楷體" pitchFamily="64" charset="-120"/>
+            </a:endParaRPr>
           </a:p>
         </p:txBody>
       </p:sp>
@@ -1476,59 +2125,195 @@
           <a:bodyPr/>
           <a:lstStyle/>
           <a:p>
+            <a:pPr marL="215900" indent="-212725" eaLnBrk="1">
+              <a:spcBef>
+                <a:spcPct val="0"/>
+              </a:spcBef>
+              <a:buClrTx/>
+              <a:buFontTx/>
+              <a:buNone/>
+              <a:tabLst>
+                <a:tab pos="215900" algn="l"/>
+                <a:tab pos="663575" algn="l"/>
+                <a:tab pos="1112838" algn="l"/>
+                <a:tab pos="1562100" algn="l"/>
+                <a:tab pos="2011363" algn="l"/>
+                <a:tab pos="2460625" algn="l"/>
+                <a:tab pos="2909888" algn="l"/>
+                <a:tab pos="3359150" algn="l"/>
+                <a:tab pos="3808413" algn="l"/>
+                <a:tab pos="4257675" algn="l"/>
+                <a:tab pos="4706938" algn="l"/>
+                <a:tab pos="5156200" algn="l"/>
+                <a:tab pos="5605463" algn="l"/>
+                <a:tab pos="6054725" algn="l"/>
+                <a:tab pos="6503988" algn="l"/>
+                <a:tab pos="6953250" algn="l"/>
+                <a:tab pos="7402513" algn="l"/>
+                <a:tab pos="7851775" algn="l"/>
+                <a:tab pos="8301038" algn="l"/>
+                <a:tab pos="8750300" algn="l"/>
+                <a:tab pos="9199563" algn="l"/>
+              </a:tabLst>
+            </a:pPr>
             <a:r>
-              <a:rPr lang="zh-TW" altLang="en-US" dirty="0" smtClean="0"/>
+              <a:rPr lang="zh-TW" altLang="zh-TW" sz="1200" dirty="0" smtClean="0">
+                <a:latin typeface="Arial" charset="0"/>
+                <a:ea typeface="微软雅黑" charset="-122"/>
+              </a:rPr>
               <a:t>這是回覆審核結果時的程式碼，</a:t>
             </a:r>
             <a:r>
-              <a:rPr lang="en-US" altLang="zh-TW" dirty="0" smtClean="0"/>
+              <a:rPr lang="en-US" altLang="zh-TW" sz="1200" dirty="0" err="1" smtClean="0">
+                <a:latin typeface="Arial" charset="0"/>
+                <a:ea typeface="微软雅黑" charset="-122"/>
+              </a:rPr>
+              <a:t>obt</a:t>
+            </a:r>
+            <a:r>
+              <a:rPr lang="en-US" altLang="zh-TW" sz="1200" dirty="0" smtClean="0">
+                <a:latin typeface="Arial" charset="0"/>
+                <a:ea typeface="微软雅黑" charset="-122"/>
+              </a:rPr>
+              <a:t>-BACK-DATE</a:t>
+            </a:r>
+            <a:r>
+              <a:rPr lang="zh-TW" altLang="zh-TW" sz="1200" dirty="0" smtClean="0">
+                <a:latin typeface="Arial" charset="0"/>
+                <a:ea typeface="微软雅黑" charset="-122"/>
+              </a:rPr>
+              <a:t>在一般情況下是</a:t>
+            </a:r>
+            <a:r>
+              <a:rPr lang="en-US" altLang="zh-TW" sz="1200" dirty="0" smtClean="0">
+                <a:latin typeface="Arial" charset="0"/>
+                <a:ea typeface="微软雅黑" charset="-122"/>
+              </a:rPr>
+              <a:t>0</a:t>
+            </a:r>
+            <a:r>
+              <a:rPr lang="zh-TW" altLang="zh-TW" sz="1200" dirty="0" smtClean="0">
+                <a:latin typeface="Arial" charset="0"/>
+                <a:ea typeface="微软雅黑" charset="-122"/>
+              </a:rPr>
+              <a:t>，會在審核檔裡將已審核，不管是通過或不通過與回覆日期是</a:t>
+            </a:r>
+            <a:r>
+              <a:rPr lang="en-US" altLang="zh-TW" sz="1200" dirty="0" smtClean="0">
+                <a:latin typeface="Arial" charset="0"/>
+                <a:ea typeface="微软雅黑" charset="-122"/>
+              </a:rPr>
+              <a:t>0</a:t>
+            </a:r>
+            <a:r>
+              <a:rPr lang="zh-TW" altLang="zh-TW" sz="1200" dirty="0" smtClean="0">
+                <a:latin typeface="Arial" charset="0"/>
+                <a:ea typeface="微软雅黑" charset="-122"/>
+              </a:rPr>
+              <a:t>的資料寫入今天的日期後產生審核結果檔，</a:t>
+            </a:r>
+            <a:r>
+              <a:rPr lang="en-US" altLang="zh-TW" sz="1200" dirty="0" smtClean="0">
+                <a:latin typeface="Arial" charset="0"/>
+                <a:ea typeface="微软雅黑" charset="-122"/>
+              </a:rPr>
               <a:t>BACK-DATE</a:t>
             </a:r>
             <a:r>
-              <a:rPr lang="zh-TW" altLang="en-US" dirty="0" smtClean="0"/>
-              <a:t>在一般情況下是</a:t>
+              <a:rPr lang="zh-TW" altLang="zh-TW" sz="1200" dirty="0" smtClean="0">
+                <a:latin typeface="Arial" charset="0"/>
+                <a:ea typeface="微软雅黑" charset="-122"/>
+              </a:rPr>
+              <a:t>如果是輸入的特定日就會直接抓取檔案後寫出審核結果</a:t>
             </a:r>
             <a:r>
-              <a:rPr lang="en-US" altLang="zh-TW" dirty="0" smtClean="0"/>
-              <a:t>0</a:t>
+              <a:rPr lang="zh-TW" altLang="zh-TW" sz="1200" dirty="0" smtClean="0">
+                <a:latin typeface="Arial" charset="0"/>
+                <a:ea typeface="微软雅黑" charset="-122"/>
+              </a:rPr>
+              <a:t>檔</a:t>
             </a:r>
             <a:r>
-              <a:rPr lang="zh-TW" altLang="en-US" dirty="0" smtClean="0"/>
-              <a:t>，在審核檔裡將已審核與回覆日期是</a:t>
+              <a:rPr lang="zh-TW" altLang="en-US" sz="1200" dirty="0" smtClean="0">
+                <a:latin typeface="Arial" charset="0"/>
+                <a:ea typeface="微软雅黑" charset="-122"/>
+              </a:rPr>
+              <a:t>，不再回寫今天的日期</a:t>
             </a:r>
             <a:r>
-              <a:rPr lang="en-US" altLang="zh-TW" dirty="0" smtClean="0"/>
-              <a:t>0</a:t>
+              <a:rPr lang="zh-TW" altLang="zh-TW" sz="1200" dirty="0" smtClean="0">
+                <a:latin typeface="Arial" charset="0"/>
+                <a:ea typeface="微软雅黑" charset="-122"/>
+              </a:rPr>
+              <a:t>，</a:t>
             </a:r>
             <a:r>
-              <a:rPr lang="zh-TW" altLang="en-US" dirty="0" smtClean="0"/>
-              <a:t>的資料寫入今天的日期後產生</a:t>
+              <a:rPr lang="zh-TW" altLang="zh-TW" sz="1200" dirty="0" smtClean="0">
+                <a:latin typeface="Arial" charset="0"/>
+                <a:ea typeface="微软雅黑" charset="-122"/>
+              </a:rPr>
+              <a:t>所以如果是分行新增審核完成案件的話需要審查部用修改</a:t>
             </a:r>
             <a:r>
-              <a:rPr lang="en-US" altLang="zh-TW" dirty="0" smtClean="0"/>
-              <a:t>SZ</a:t>
+              <a:rPr lang="zh-TW" altLang="zh-TW" sz="1200" dirty="0" smtClean="0">
+                <a:latin typeface="Arial" charset="0"/>
+                <a:ea typeface="微软雅黑" charset="-122"/>
+              </a:rPr>
+              <a:t>填入</a:t>
             </a:r>
             <a:r>
-              <a:rPr lang="zh-TW" altLang="en-US" dirty="0" smtClean="0"/>
-              <a:t>檔案，</a:t>
+              <a:rPr lang="zh-TW" altLang="en-US" sz="1200" dirty="0" smtClean="0">
+                <a:latin typeface="Arial" charset="0"/>
+                <a:ea typeface="微软雅黑" charset="-122"/>
+              </a:rPr>
+              <a:t>回覆</a:t>
             </a:r>
             <a:r>
-              <a:rPr lang="en-US" altLang="zh-TW" dirty="0" smtClean="0"/>
-              <a:t>BACK-DATE</a:t>
+              <a:rPr lang="zh-TW" altLang="zh-TW" sz="1200" dirty="0" smtClean="0">
+                <a:latin typeface="Arial" charset="0"/>
+                <a:ea typeface="微软雅黑" charset="-122"/>
+              </a:rPr>
+              <a:t>日期</a:t>
             </a:r>
             <a:r>
-              <a:rPr lang="zh-TW" altLang="en-US" dirty="0" smtClean="0"/>
-              <a:t>是輸入的特定日就會直接寫</a:t>
+              <a:rPr lang="zh-TW" altLang="zh-TW" sz="1200" dirty="0" smtClean="0">
+                <a:latin typeface="Arial" charset="0"/>
+                <a:ea typeface="微软雅黑" charset="-122"/>
+              </a:rPr>
+              <a:t>後，再產生特定日期檔案。或是分行新增多筆資料時，審查部可以執行兩次回復審核結果，一次把未填入回覆日期的新案件填入日期，另一次則選擇特定日期來</a:t>
             </a:r>
             <a:r>
-              <a:rPr lang="en-US" altLang="zh-TW" dirty="0" smtClean="0"/>
-              <a:t>SZ</a:t>
+              <a:rPr lang="zh-TW" altLang="zh-TW" sz="1200" dirty="0" smtClean="0">
+                <a:latin typeface="Arial" charset="0"/>
+                <a:ea typeface="微软雅黑" charset="-122"/>
+              </a:rPr>
+              <a:t>產生</a:t>
             </a:r>
             <a:r>
-              <a:rPr lang="zh-TW" altLang="en-US" dirty="0" smtClean="0"/>
-              <a:t>檔，所以如果是分行新增審核完成案件的話需要審查部用修改填入日期後，再產生特定日期檔案。或是執行兩次，一次把未填入回覆日期的新案件填入日期，另一次選擇特定日期產生檔案。</a:t>
+              <a:rPr lang="zh-TW" altLang="en-US" sz="1200" dirty="0" smtClean="0">
+                <a:latin typeface="Arial" charset="0"/>
+                <a:ea typeface="微软雅黑" charset="-122"/>
+              </a:rPr>
+              <a:t>新舊審核完成案件</a:t>
             </a:r>
-            <a:endParaRPr lang="zh-CN" altLang="en-US" dirty="0"/>
+            <a:r>
+              <a:rPr lang="zh-TW" altLang="zh-TW" sz="1200" dirty="0" smtClean="0">
+                <a:latin typeface="Arial" charset="0"/>
+                <a:ea typeface="微软雅黑" charset="-122"/>
+              </a:rPr>
+              <a:t>混和</a:t>
+            </a:r>
+            <a:r>
+              <a:rPr lang="zh-TW" altLang="zh-TW" sz="1200" dirty="0" smtClean="0">
+                <a:latin typeface="Arial" charset="0"/>
+                <a:ea typeface="微软雅黑" charset="-122"/>
+              </a:rPr>
+              <a:t>在一起的新檔案。</a:t>
+            </a:r>
+            <a:endParaRPr lang="zh-TW" altLang="zh-TW" sz="1200" dirty="0">
+              <a:latin typeface="Arial" charset="0"/>
+              <a:ea typeface="微软雅黑" charset="-122"/>
+            </a:endParaRPr>
           </a:p>
         </p:txBody>
       </p:sp>
@@ -1783,19 +2568,90 @@
           <a:bodyPr/>
           <a:lstStyle/>
           <a:p>
+            <a:pPr marL="215900" indent="-212725" eaLnBrk="1">
+              <a:spcBef>
+                <a:spcPct val="0"/>
+              </a:spcBef>
+              <a:buClrTx/>
+              <a:buFontTx/>
+              <a:buNone/>
+              <a:tabLst>
+                <a:tab pos="215900" algn="l"/>
+                <a:tab pos="663575" algn="l"/>
+                <a:tab pos="1112838" algn="l"/>
+                <a:tab pos="1562100" algn="l"/>
+                <a:tab pos="2011363" algn="l"/>
+                <a:tab pos="2460625" algn="l"/>
+                <a:tab pos="2909888" algn="l"/>
+                <a:tab pos="3359150" algn="l"/>
+                <a:tab pos="3808413" algn="l"/>
+                <a:tab pos="4257675" algn="l"/>
+                <a:tab pos="4706938" algn="l"/>
+                <a:tab pos="5156200" algn="l"/>
+                <a:tab pos="5605463" algn="l"/>
+                <a:tab pos="6054725" algn="l"/>
+                <a:tab pos="6503988" algn="l"/>
+                <a:tab pos="6953250" algn="l"/>
+                <a:tab pos="7402513" algn="l"/>
+                <a:tab pos="7851775" algn="l"/>
+                <a:tab pos="8301038" algn="l"/>
+                <a:tab pos="8750300" algn="l"/>
+                <a:tab pos="9199563" algn="l"/>
+              </a:tabLst>
+            </a:pPr>
             <a:r>
-              <a:rPr lang="zh-TW" altLang="en-US" dirty="0" smtClean="0"/>
-              <a:t>產生回覆審核檔案後，就可以到審查部報表系統執行最後轉</a:t>
+              <a:rPr lang="zh-TW" altLang="zh-TW" sz="1200" dirty="0" smtClean="0">
+                <a:latin typeface="Arial" charset="0"/>
+                <a:ea typeface="微软雅黑" charset="-122"/>
+              </a:rPr>
+              <a:t>產生回覆審核結果檔案後</a:t>
             </a:r>
             <a:r>
-              <a:rPr lang="en-US" altLang="zh-TW" dirty="0" smtClean="0"/>
+              <a:rPr lang="zh-TW" altLang="zh-TW" sz="1200" dirty="0" smtClean="0">
+                <a:latin typeface="Arial" charset="0"/>
+                <a:ea typeface="微软雅黑" charset="-122"/>
+              </a:rPr>
+              <a:t>，</a:t>
+            </a:r>
+            <a:r>
+              <a:rPr lang="zh-TW" altLang="en-US" sz="1200" dirty="0" smtClean="0">
+                <a:latin typeface="Arial" charset="0"/>
+                <a:ea typeface="微软雅黑" charset="-122"/>
+              </a:rPr>
+              <a:t>審查部</a:t>
+            </a:r>
+            <a:r>
+              <a:rPr lang="zh-TW" altLang="zh-TW" sz="1200" dirty="0" smtClean="0">
+                <a:latin typeface="Arial" charset="0"/>
+                <a:ea typeface="微软雅黑" charset="-122"/>
+              </a:rPr>
+              <a:t>就</a:t>
+            </a:r>
+            <a:r>
+              <a:rPr lang="zh-TW" altLang="zh-TW" sz="1200" dirty="0" smtClean="0">
+                <a:latin typeface="Arial" charset="0"/>
+                <a:ea typeface="微软雅黑" charset="-122"/>
+              </a:rPr>
+              <a:t>可以到審查部報表系統執行產生批次案件審核結果檔，將下載的檔案轉為</a:t>
+            </a:r>
+            <a:r>
+              <a:rPr lang="en-US" altLang="zh-TW" sz="1200" dirty="0" smtClean="0">
+                <a:latin typeface="Arial" charset="0"/>
+                <a:ea typeface="微软雅黑" charset="-122"/>
+              </a:rPr>
               <a:t>EXCEL</a:t>
             </a:r>
             <a:r>
-              <a:rPr lang="zh-TW" altLang="en-US" dirty="0" smtClean="0"/>
-              <a:t>的作業。</a:t>
+              <a:rPr lang="zh-TW" altLang="zh-TW" sz="1200" dirty="0" smtClean="0">
+                <a:latin typeface="Arial" charset="0"/>
+                <a:ea typeface="微软雅黑" charset="-122"/>
+              </a:rPr>
+              <a:t>。</a:t>
             </a:r>
-            <a:endParaRPr lang="zh-CN" altLang="en-US" dirty="0"/>
+            <a:endParaRPr lang="zh-TW" altLang="zh-TW" sz="1200" dirty="0">
+              <a:latin typeface="Arial" charset="0"/>
+              <a:ea typeface="微软雅黑" charset="-122"/>
+            </a:endParaRPr>
           </a:p>
         </p:txBody>
       </p:sp>
@@ -1880,35 +2736,90 @@
           <a:bodyPr/>
           <a:lstStyle/>
           <a:p>
+            <a:pPr marL="215900" indent="-212725" eaLnBrk="1">
+              <a:spcBef>
+                <a:spcPct val="0"/>
+              </a:spcBef>
+              <a:buClrTx/>
+              <a:buFontTx/>
+              <a:buNone/>
+              <a:tabLst>
+                <a:tab pos="215900" algn="l"/>
+                <a:tab pos="663575" algn="l"/>
+                <a:tab pos="1112838" algn="l"/>
+                <a:tab pos="1562100" algn="l"/>
+                <a:tab pos="2011363" algn="l"/>
+                <a:tab pos="2460625" algn="l"/>
+                <a:tab pos="2909888" algn="l"/>
+                <a:tab pos="3359150" algn="l"/>
+                <a:tab pos="3808413" algn="l"/>
+                <a:tab pos="4257675" algn="l"/>
+                <a:tab pos="4706938" algn="l"/>
+                <a:tab pos="5156200" algn="l"/>
+                <a:tab pos="5605463" algn="l"/>
+                <a:tab pos="6054725" algn="l"/>
+                <a:tab pos="6503988" algn="l"/>
+                <a:tab pos="6953250" algn="l"/>
+                <a:tab pos="7402513" algn="l"/>
+                <a:tab pos="7851775" algn="l"/>
+                <a:tab pos="8301038" algn="l"/>
+                <a:tab pos="8750300" algn="l"/>
+                <a:tab pos="9199563" algn="l"/>
+              </a:tabLst>
+            </a:pPr>
             <a:r>
-              <a:rPr lang="zh-TW" altLang="en-US" dirty="0" smtClean="0"/>
-              <a:t>這是轉</a:t>
+              <a:rPr lang="zh-TW" altLang="zh-TW" sz="1200" dirty="0" smtClean="0">
+                <a:latin typeface="Arial" charset="0"/>
+                <a:ea typeface="微软雅黑" charset="-122"/>
+              </a:rPr>
+              <a:t>這是結果檔轉</a:t>
             </a:r>
             <a:r>
-              <a:rPr lang="en-US" altLang="zh-TW" dirty="0" smtClean="0"/>
+              <a:rPr lang="en-US" altLang="zh-TW" sz="1200" dirty="0" smtClean="0">
+                <a:latin typeface="Arial" charset="0"/>
+                <a:ea typeface="微软雅黑" charset="-122"/>
+              </a:rPr>
               <a:t>EXCEL</a:t>
             </a:r>
             <a:r>
-              <a:rPr lang="zh-TW" altLang="en-US" dirty="0" smtClean="0"/>
-              <a:t>的程式，流程大致是把下載的檔案讀進</a:t>
+              <a:rPr lang="zh-TW" altLang="zh-TW" sz="1200" dirty="0" smtClean="0">
+                <a:latin typeface="Arial" charset="0"/>
+                <a:ea typeface="微软雅黑" charset="-122"/>
+              </a:rPr>
+              <a:t>的程式碼，流程大致是把下載的檔案開啟並讀進</a:t>
             </a:r>
             <a:r>
-              <a:rPr lang="en-US" altLang="zh-TW" dirty="0" smtClean="0"/>
+              <a:rPr lang="en-US" altLang="zh-TW" sz="1200" dirty="0" smtClean="0">
+                <a:latin typeface="Arial" charset="0"/>
+                <a:ea typeface="微软雅黑" charset="-122"/>
+              </a:rPr>
               <a:t>EXCEL</a:t>
             </a:r>
             <a:r>
-              <a:rPr lang="zh-TW" altLang="en-US" dirty="0" smtClean="0"/>
-              <a:t>裡，再根據營建署提供的審核結果檔的格式依序填入審核結果，完成後就能將</a:t>
+              <a:rPr lang="zh-TW" altLang="zh-TW" sz="1200" dirty="0" smtClean="0">
+                <a:latin typeface="Arial" charset="0"/>
+                <a:ea typeface="微软雅黑" charset="-122"/>
+              </a:rPr>
+              <a:t>裡，再根據營建署提供的審核結果檔格式依序填入審核結果，程式結束後就能將產生的</a:t>
             </a:r>
             <a:r>
-              <a:rPr lang="en-US" altLang="zh-TW" dirty="0" smtClean="0"/>
+              <a:rPr lang="en-US" altLang="zh-TW" sz="1200" dirty="0" smtClean="0">
+                <a:latin typeface="Arial" charset="0"/>
+                <a:ea typeface="微软雅黑" charset="-122"/>
+              </a:rPr>
               <a:t>EXCEL</a:t>
             </a:r>
             <a:r>
-              <a:rPr lang="zh-TW" altLang="en-US" dirty="0" smtClean="0"/>
+              <a:rPr lang="zh-TW" altLang="zh-TW" sz="1200" dirty="0" smtClean="0">
+                <a:latin typeface="Arial" charset="0"/>
+                <a:ea typeface="微软雅黑" charset="-122"/>
+              </a:rPr>
               <a:t>檔案上傳至營建署的網站等待營建署確認。</a:t>
             </a:r>
-            <a:endParaRPr lang="zh-CN" altLang="en-US" dirty="0"/>
+            <a:endParaRPr lang="zh-TW" altLang="zh-TW" sz="1200" dirty="0">
+              <a:latin typeface="Arial" charset="0"/>
+              <a:ea typeface="微软雅黑" charset="-122"/>
+            </a:endParaRPr>
           </a:p>
         </p:txBody>
       </p:sp>
@@ -1993,27 +2904,132 @@
           <a:bodyPr/>
           <a:lstStyle/>
           <a:p>
+            <a:pPr marL="215900" indent="-212725" eaLnBrk="1">
+              <a:spcBef>
+                <a:spcPct val="0"/>
+              </a:spcBef>
+              <a:buClrTx/>
+              <a:buFontTx/>
+              <a:buNone/>
+              <a:tabLst>
+                <a:tab pos="215900" algn="l"/>
+                <a:tab pos="663575" algn="l"/>
+                <a:tab pos="1112838" algn="l"/>
+                <a:tab pos="1562100" algn="l"/>
+                <a:tab pos="2011363" algn="l"/>
+                <a:tab pos="2460625" algn="l"/>
+                <a:tab pos="2909888" algn="l"/>
+                <a:tab pos="3359150" algn="l"/>
+                <a:tab pos="3808413" algn="l"/>
+                <a:tab pos="4257675" algn="l"/>
+                <a:tab pos="4706938" algn="l"/>
+                <a:tab pos="5156200" algn="l"/>
+                <a:tab pos="5605463" algn="l"/>
+                <a:tab pos="6054725" algn="l"/>
+                <a:tab pos="6503988" algn="l"/>
+                <a:tab pos="6953250" algn="l"/>
+                <a:tab pos="7402513" algn="l"/>
+                <a:tab pos="7851775" algn="l"/>
+                <a:tab pos="8301038" algn="l"/>
+                <a:tab pos="8750300" algn="l"/>
+                <a:tab pos="9199563" algn="l"/>
+              </a:tabLst>
+            </a:pPr>
             <a:r>
-              <a:rPr lang="zh-TW" altLang="en-US" dirty="0" smtClean="0"/>
-              <a:t>螢幕上是下載的檔案轉換成</a:t>
+              <a:rPr lang="zh-TW" altLang="zh-TW" sz="1200" dirty="0" smtClean="0">
+                <a:latin typeface="Arial" charset="0"/>
+                <a:ea typeface="微软雅黑" charset="-122"/>
+              </a:rPr>
+              <a:t>螢幕上的兩張</a:t>
             </a:r>
             <a:r>
-              <a:rPr lang="en-US" altLang="zh-TW" dirty="0" smtClean="0"/>
-              <a:t>EXCEL</a:t>
+              <a:rPr lang="zh-TW" altLang="zh-TW" sz="1200" dirty="0" smtClean="0">
+                <a:latin typeface="Arial" charset="0"/>
+                <a:ea typeface="微软雅黑" charset="-122"/>
+              </a:rPr>
+              <a:t>圖，</a:t>
             </a:r>
             <a:r>
-              <a:rPr lang="zh-TW" altLang="en-US" dirty="0" smtClean="0"/>
-              <a:t>的圖例，到此審核作業就告一段落，後續就是實際</a:t>
+              <a:rPr lang="zh-TW" altLang="en-US" sz="1200" dirty="0" smtClean="0">
+                <a:latin typeface="Arial" charset="0"/>
+                <a:ea typeface="微软雅黑" charset="-122"/>
+              </a:rPr>
+              <a:t>左邊是</a:t>
             </a:r>
             <a:r>
-              <a:rPr lang="en-US" altLang="zh-TW" dirty="0" smtClean="0"/>
-              <a:t>PAY</a:t>
+              <a:rPr lang="zh-TW" altLang="zh-TW" sz="1200" dirty="0" smtClean="0">
+                <a:latin typeface="Arial" charset="0"/>
+                <a:ea typeface="微软雅黑" charset="-122"/>
+              </a:rPr>
+              <a:t>CO</a:t>
             </a:r>
             <a:r>
-              <a:rPr lang="zh-TW" altLang="en-US" dirty="0" smtClean="0"/>
-              <a:t>帳的部分。</a:t>
+              <a:rPr lang="zh-TW" altLang="zh-TW" sz="1200" dirty="0" smtClean="0">
+                <a:latin typeface="Arial" charset="0"/>
+                <a:ea typeface="微软雅黑" charset="-122"/>
+              </a:rPr>
+              <a:t>TA下載的</a:t>
             </a:r>
-            <a:endParaRPr lang="zh-CN" altLang="en-US" dirty="0"/>
+            <a:r>
+              <a:rPr lang="zh-TW" altLang="zh-TW" sz="1200" dirty="0" smtClean="0">
+                <a:latin typeface="Arial" charset="0"/>
+                <a:ea typeface="微软雅黑" charset="-122"/>
+              </a:rPr>
+              <a:t>檔案</a:t>
+            </a:r>
+            <a:r>
+              <a:rPr lang="zh-TW" altLang="en-US" sz="1200" dirty="0" smtClean="0">
+                <a:latin typeface="Arial" charset="0"/>
+                <a:ea typeface="微软雅黑" charset="-122"/>
+              </a:rPr>
+              <a:t>所呈現的格式</a:t>
+            </a:r>
+            <a:r>
+              <a:rPr lang="zh-TW" altLang="zh-TW" sz="1200" dirty="0" smtClean="0">
+                <a:latin typeface="Arial" charset="0"/>
+                <a:ea typeface="微软雅黑" charset="-122"/>
+              </a:rPr>
+              <a:t>，</a:t>
+            </a:r>
+            <a:r>
+              <a:rPr lang="zh-TW" altLang="en-US" sz="1200" dirty="0" smtClean="0">
+                <a:latin typeface="Arial" charset="0"/>
+                <a:ea typeface="微软雅黑" charset="-122"/>
+              </a:rPr>
+              <a:t>右邊則是</a:t>
+            </a:r>
+            <a:r>
+              <a:rPr lang="zh-TW" altLang="zh-TW" sz="1200" dirty="0" smtClean="0">
+                <a:latin typeface="Arial" charset="0"/>
+                <a:ea typeface="微软雅黑" charset="-122"/>
+              </a:rPr>
+              <a:t>轉換</a:t>
+            </a:r>
+            <a:r>
+              <a:rPr lang="zh-TW" altLang="zh-TW" sz="1200" dirty="0" smtClean="0">
+                <a:latin typeface="Arial" charset="0"/>
+                <a:ea typeface="微软雅黑" charset="-122"/>
+              </a:rPr>
+              <a:t>成營建署所要求的</a:t>
+            </a:r>
+            <a:r>
+              <a:rPr lang="en-US" altLang="zh-TW" sz="1200" dirty="0" err="1" smtClean="0">
+                <a:latin typeface="Arial" charset="0"/>
+                <a:ea typeface="微软雅黑" charset="-122"/>
+              </a:rPr>
+              <a:t>EXCEL格式</a:t>
+            </a:r>
+            <a:r>
+              <a:rPr lang="zh-TW" altLang="zh-TW" sz="1200" dirty="0" smtClean="0">
+                <a:latin typeface="Arial" charset="0"/>
+                <a:ea typeface="微软雅黑" charset="-122"/>
+              </a:rPr>
+              <a:t>的圖例，到此審核作業就告一段落。</a:t>
+            </a:r>
+            <a:endParaRPr lang="zh-TW" altLang="zh-TW" sz="1200" dirty="0">
+              <a:latin typeface="Arial" charset="0"/>
+              <a:ea typeface="微软雅黑" charset="-122"/>
+            </a:endParaRPr>
           </a:p>
         </p:txBody>
       </p:sp>
@@ -2268,84 +3284,231 @@
           <a:bodyPr/>
           <a:lstStyle/>
           <a:p>
+            <a:pPr marL="215900" indent="-212725" eaLnBrk="1">
+              <a:spcBef>
+                <a:spcPct val="0"/>
+              </a:spcBef>
+              <a:buClrTx/>
+              <a:buFontTx/>
+              <a:buNone/>
+              <a:tabLst>
+                <a:tab pos="215900" algn="l"/>
+                <a:tab pos="663575" algn="l"/>
+                <a:tab pos="1112838" algn="l"/>
+                <a:tab pos="1562100" algn="l"/>
+                <a:tab pos="2011363" algn="l"/>
+                <a:tab pos="2460625" algn="l"/>
+                <a:tab pos="2909888" algn="l"/>
+                <a:tab pos="3359150" algn="l"/>
+                <a:tab pos="3808413" algn="l"/>
+                <a:tab pos="4257675" algn="l"/>
+                <a:tab pos="4706938" algn="l"/>
+                <a:tab pos="5156200" algn="l"/>
+                <a:tab pos="5605463" algn="l"/>
+                <a:tab pos="6054725" algn="l"/>
+                <a:tab pos="6503988" algn="l"/>
+                <a:tab pos="6953250" algn="l"/>
+                <a:tab pos="7402513" algn="l"/>
+                <a:tab pos="7851775" algn="l"/>
+                <a:tab pos="8301038" algn="l"/>
+                <a:tab pos="8750300" algn="l"/>
+                <a:tab pos="9199563" algn="l"/>
+              </a:tabLst>
+            </a:pPr>
             <a:r>
-              <a:rPr lang="zh-TW" altLang="en-US" dirty="0" smtClean="0"/>
-              <a:t>首先介紹支持專案完整的作業流程，程式是配合內政部營建署開發，包含審查以及撥款的作業，撥款程式是由佳蓉副理開發，而我負責審查的部分。</a:t>
+              <a:rPr lang="zh-TW" altLang="zh-TW" sz="1200" dirty="0" smtClean="0">
+                <a:latin typeface="Arial" charset="0"/>
+                <a:ea typeface="微软雅黑" charset="-122"/>
+              </a:rPr>
+              <a:t>首先介紹的是自用住宅支持專案完整的作業流程，程式是配合內政部營建署開發，包含審查以及撥款的相關程式，撥款程式是由佳蓉副理開發提供，而我負責流程圖上方審查作業的部分。</a:t>
             </a:r>
-            <a:endParaRPr lang="en-US" altLang="zh-TW" dirty="0" smtClean="0"/>
           </a:p>
           <a:p>
+            <a:pPr marL="215900" indent="-212725" eaLnBrk="1">
+              <a:spcBef>
+                <a:spcPct val="0"/>
+              </a:spcBef>
+              <a:buClrTx/>
+              <a:buFontTx/>
+              <a:buNone/>
+              <a:tabLst>
+                <a:tab pos="215900" algn="l"/>
+                <a:tab pos="663575" algn="l"/>
+                <a:tab pos="1112838" algn="l"/>
+                <a:tab pos="1562100" algn="l"/>
+                <a:tab pos="2011363" algn="l"/>
+                <a:tab pos="2460625" algn="l"/>
+                <a:tab pos="2909888" algn="l"/>
+                <a:tab pos="3359150" algn="l"/>
+                <a:tab pos="3808413" algn="l"/>
+                <a:tab pos="4257675" algn="l"/>
+                <a:tab pos="4706938" algn="l"/>
+                <a:tab pos="5156200" algn="l"/>
+                <a:tab pos="5605463" algn="l"/>
+                <a:tab pos="6054725" algn="l"/>
+                <a:tab pos="6503988" algn="l"/>
+                <a:tab pos="6953250" algn="l"/>
+                <a:tab pos="7402513" algn="l"/>
+                <a:tab pos="7851775" algn="l"/>
+                <a:tab pos="8301038" algn="l"/>
+                <a:tab pos="8750300" algn="l"/>
+                <a:tab pos="9199563" algn="l"/>
+              </a:tabLst>
+            </a:pPr>
             <a:r>
-              <a:rPr lang="zh-TW" altLang="en-US" dirty="0" smtClean="0"/>
-              <a:t>審查部會先到內政部的網頁下載批次案件待審核的</a:t>
+              <a:rPr lang="zh-TW" altLang="zh-TW" sz="1200" dirty="0" smtClean="0">
+                <a:latin typeface="Arial" charset="0"/>
+                <a:ea typeface="微软雅黑" charset="-122"/>
+              </a:rPr>
+              <a:t>一開始審查部會先到內政部的網頁下載批次案件待審核的檔案，由我們這邊提供的</a:t>
             </a:r>
             <a:r>
-              <a:rPr lang="en-US" altLang="zh-TW" dirty="0" smtClean="0"/>
+              <a:rPr lang="en-US" altLang="zh-TW" sz="1200" dirty="0" err="1" smtClean="0">
+                <a:latin typeface="Arial" charset="0"/>
+                <a:ea typeface="微软雅黑" charset="-122"/>
+              </a:rPr>
+              <a:t>execl</a:t>
+            </a:r>
+            <a:r>
+              <a:rPr lang="zh-TW" altLang="zh-TW" sz="1200" dirty="0" smtClean="0">
+                <a:latin typeface="Arial" charset="0"/>
+                <a:ea typeface="微软雅黑" charset="-122"/>
+              </a:rPr>
+              <a:t>程式，將檔案轉成文字檔後上傳至</a:t>
+            </a:r>
+            <a:r>
+              <a:rPr lang="en-US" altLang="zh-TW" sz="1200" dirty="0" smtClean="0">
+                <a:latin typeface="Arial" charset="0"/>
+                <a:ea typeface="微软雅黑" charset="-122"/>
+              </a:rPr>
+              <a:t>COTA</a:t>
+            </a:r>
+            <a:r>
+              <a:rPr lang="zh-TW" altLang="zh-TW" sz="1200" dirty="0" smtClean="0">
+                <a:latin typeface="Arial" charset="0"/>
+                <a:ea typeface="微软雅黑" charset="-122"/>
+              </a:rPr>
+              <a:t>，並由案件所屬的分行進行審核，審核完成後審查部會執行回覆審核案件的功能，下載檔案後使用審查部系統將審核結果轉成</a:t>
+            </a:r>
+            <a:r>
+              <a:rPr lang="en-US" altLang="zh-TW" sz="1200" dirty="0" smtClean="0">
+                <a:latin typeface="Arial" charset="0"/>
+                <a:ea typeface="微软雅黑" charset="-122"/>
+              </a:rPr>
               <a:t>EXCEL</a:t>
             </a:r>
             <a:r>
-              <a:rPr lang="zh-TW" altLang="en-US" dirty="0" smtClean="0"/>
-              <a:t>，轉成文字檔後上傳至</a:t>
+              <a:rPr lang="zh-TW" altLang="zh-TW" sz="1200" dirty="0" smtClean="0">
+                <a:latin typeface="Arial" charset="0"/>
+                <a:ea typeface="微软雅黑" charset="-122"/>
+              </a:rPr>
+              <a:t>，再上傳至營建署的網頁，經過營建署確認後，審查部才可以下載撥款的檔案，進行實際撥款工作。</a:t>
+            </a:r>
+          </a:p>
+          <a:p>
+            <a:pPr marL="215900" indent="-212725" eaLnBrk="1">
+              <a:spcBef>
+                <a:spcPct val="0"/>
+              </a:spcBef>
+              <a:buClrTx/>
+              <a:buFontTx/>
+              <a:buNone/>
+              <a:tabLst>
+                <a:tab pos="215900" algn="l"/>
+                <a:tab pos="663575" algn="l"/>
+                <a:tab pos="1112838" algn="l"/>
+                <a:tab pos="1562100" algn="l"/>
+                <a:tab pos="2011363" algn="l"/>
+                <a:tab pos="2460625" algn="l"/>
+                <a:tab pos="2909888" algn="l"/>
+                <a:tab pos="3359150" algn="l"/>
+                <a:tab pos="3808413" algn="l"/>
+                <a:tab pos="4257675" algn="l"/>
+                <a:tab pos="4706938" algn="l"/>
+                <a:tab pos="5156200" algn="l"/>
+                <a:tab pos="5605463" algn="l"/>
+                <a:tab pos="6054725" algn="l"/>
+                <a:tab pos="6503988" algn="l"/>
+                <a:tab pos="6953250" algn="l"/>
+                <a:tab pos="7402513" algn="l"/>
+                <a:tab pos="7851775" algn="l"/>
+                <a:tab pos="8301038" algn="l"/>
+                <a:tab pos="8750300" algn="l"/>
+                <a:tab pos="9199563" algn="l"/>
+              </a:tabLst>
+            </a:pPr>
+            <a:r>
+              <a:rPr lang="zh-TW" altLang="zh-TW" sz="1200" dirty="0" smtClean="0">
+                <a:latin typeface="Arial" charset="0"/>
+                <a:ea typeface="微软雅黑" charset="-122"/>
+              </a:rPr>
+              <a:t>開發審核程式主要是減少審查部與分行作業的時間，沒有審核程式的時候，審查部需要將下載後的檔案切割成各分行一份的</a:t>
             </a:r>
             <a:r>
-              <a:rPr lang="en-US" altLang="zh-TW" dirty="0" smtClean="0"/>
-              <a:t>COTA</a:t>
-            </a:r>
-            <a:r>
-              <a:rPr lang="zh-TW" altLang="en-US" dirty="0" smtClean="0"/>
-              <a:t>，並由案件所屬的分行進行審核，審核完成後審查部會執行回覆審核案件，將檔案轉成</a:t>
-            </a:r>
-            <a:r>
-              <a:rPr lang="en-US" altLang="zh-TW" dirty="0" smtClean="0"/>
+              <a:rPr lang="en-US" altLang="zh-TW" sz="1200" dirty="0" smtClean="0">
+                <a:latin typeface="Arial" charset="0"/>
+                <a:ea typeface="微软雅黑" charset="-122"/>
+              </a:rPr>
               <a:t>EXCEL</a:t>
             </a:r>
             <a:r>
-              <a:rPr lang="zh-TW" altLang="en-US" dirty="0" smtClean="0"/>
-              <a:t>後，再上傳至內政部的網頁，經過內政部確認後，才可以下載撥款的</a:t>
+              <a:rPr lang="zh-TW" altLang="zh-TW" sz="1200" dirty="0" smtClean="0">
+                <a:latin typeface="Arial" charset="0"/>
+                <a:ea typeface="微软雅黑" charset="-122"/>
+              </a:rPr>
+              <a:t>傳送至分行，等待分行審核完畢後會將檔案傳送回審查部，再由審查部將各分行檔案彙整成一份</a:t>
             </a:r>
             <a:r>
-              <a:rPr lang="en-US" altLang="zh-TW" dirty="0" smtClean="0"/>
-              <a:t>EXCEL</a:t>
+              <a:rPr lang="en-US" altLang="zh-TW" sz="1200" dirty="0" smtClean="0">
+                <a:latin typeface="Arial" charset="0"/>
+                <a:ea typeface="微软雅黑" charset="-122"/>
+              </a:rPr>
+              <a:t>excel</a:t>
             </a:r>
             <a:r>
-              <a:rPr lang="zh-TW" altLang="en-US" dirty="0" smtClean="0"/>
-              <a:t>，進行實際撥款作業。</a:t>
+              <a:rPr lang="zh-TW" altLang="zh-TW" sz="1200" dirty="0" smtClean="0">
+                <a:latin typeface="Arial" charset="0"/>
+                <a:ea typeface="微软雅黑" charset="-122"/>
+              </a:rPr>
+              <a:t>上傳至營建署，程序較為繁瑣。</a:t>
             </a:r>
-            <a:endParaRPr lang="en-US" altLang="zh-TW" dirty="0" smtClean="0"/>
           </a:p>
           <a:p>
-            <a:r>
-              <a:rPr lang="zh-TW" altLang="en-US" dirty="0" smtClean="0"/>
-              <a:t>審核程式主要是減少審查部與分行作業的時間，沒有審核程式的時候審查部需要將下載後的</a:t>
-            </a:r>
-            <a:r>
-              <a:rPr lang="en-US" altLang="zh-TW" dirty="0" smtClean="0"/>
-              <a:t>EXCEL</a:t>
-            </a:r>
-            <a:r>
-              <a:rPr lang="zh-TW" altLang="en-US" dirty="0" smtClean="0"/>
-              <a:t>切割成各分行一份</a:t>
-            </a:r>
-            <a:r>
-              <a:rPr lang="en-US" altLang="zh-TW" dirty="0" smtClean="0"/>
-              <a:t>EXCEL</a:t>
-            </a:r>
-            <a:r>
-              <a:rPr lang="zh-TW" altLang="en-US" dirty="0" smtClean="0"/>
-              <a:t>傳送至分行，待分行審核完畢後傳送回審查部，再由審查部將各</a:t>
-            </a:r>
-            <a:r>
-              <a:rPr lang="en-US" altLang="zh-TW" dirty="0" smtClean="0"/>
-              <a:t>EXCEL</a:t>
-            </a:r>
-            <a:r>
-              <a:rPr lang="zh-TW" altLang="en-US" dirty="0" smtClean="0"/>
-              <a:t>彙整成一份上傳，程序較為繁瑣。</a:t>
-            </a:r>
-            <a:endParaRPr lang="en-US" altLang="zh-TW" dirty="0" smtClean="0"/>
-          </a:p>
-          <a:p>
-            <a:endParaRPr lang="zh-CN" altLang="en-US" dirty="0"/>
+            <a:pPr marL="215900" indent="-212725" eaLnBrk="1">
+              <a:spcBef>
+                <a:spcPct val="0"/>
+              </a:spcBef>
+              <a:buClrTx/>
+              <a:buFontTx/>
+              <a:buNone/>
+              <a:tabLst>
+                <a:tab pos="215900" algn="l"/>
+                <a:tab pos="663575" algn="l"/>
+                <a:tab pos="1112838" algn="l"/>
+                <a:tab pos="1562100" algn="l"/>
+                <a:tab pos="2011363" algn="l"/>
+                <a:tab pos="2460625" algn="l"/>
+                <a:tab pos="2909888" algn="l"/>
+                <a:tab pos="3359150" algn="l"/>
+                <a:tab pos="3808413" algn="l"/>
+                <a:tab pos="4257675" algn="l"/>
+                <a:tab pos="4706938" algn="l"/>
+                <a:tab pos="5156200" algn="l"/>
+                <a:tab pos="5605463" algn="l"/>
+                <a:tab pos="6054725" algn="l"/>
+                <a:tab pos="6503988" algn="l"/>
+                <a:tab pos="6953250" algn="l"/>
+                <a:tab pos="7402513" algn="l"/>
+                <a:tab pos="7851775" algn="l"/>
+                <a:tab pos="8301038" algn="l"/>
+                <a:tab pos="8750300" algn="l"/>
+                <a:tab pos="9199563" algn="l"/>
+              </a:tabLst>
+            </a:pPr>
+            <a:endParaRPr lang="zh-TW" altLang="zh-TW" sz="1200" dirty="0">
+              <a:latin typeface="Arial" charset="0"/>
+              <a:ea typeface="微软雅黑" charset="-122"/>
+            </a:endParaRPr>
           </a:p>
         </p:txBody>
       </p:sp>
@@ -2430,51 +3593,118 @@
           <a:bodyPr/>
           <a:lstStyle/>
           <a:p>
+            <a:pPr marL="215900" indent="-212725" eaLnBrk="1">
+              <a:spcBef>
+                <a:spcPct val="0"/>
+              </a:spcBef>
+              <a:buClrTx/>
+              <a:buFontTx/>
+              <a:buNone/>
+              <a:tabLst>
+                <a:tab pos="215900" algn="l"/>
+                <a:tab pos="663575" algn="l"/>
+                <a:tab pos="1112838" algn="l"/>
+                <a:tab pos="1562100" algn="l"/>
+                <a:tab pos="2011363" algn="l"/>
+                <a:tab pos="2460625" algn="l"/>
+                <a:tab pos="2909888" algn="l"/>
+                <a:tab pos="3359150" algn="l"/>
+                <a:tab pos="3808413" algn="l"/>
+                <a:tab pos="4257675" algn="l"/>
+                <a:tab pos="4706938" algn="l"/>
+                <a:tab pos="5156200" algn="l"/>
+                <a:tab pos="5605463" algn="l"/>
+                <a:tab pos="6054725" algn="l"/>
+                <a:tab pos="6503988" algn="l"/>
+                <a:tab pos="6953250" algn="l"/>
+                <a:tab pos="7402513" algn="l"/>
+                <a:tab pos="7851775" algn="l"/>
+                <a:tab pos="8301038" algn="l"/>
+                <a:tab pos="8750300" algn="l"/>
+                <a:tab pos="9199563" algn="l"/>
+              </a:tabLst>
+            </a:pPr>
             <a:r>
-              <a:rPr lang="zh-TW" altLang="en-US" dirty="0" smtClean="0"/>
-              <a:t>這是由營建署提供的作業流程說明，分為</a:t>
+              <a:rPr lang="zh-TW" altLang="zh-TW" sz="1200" dirty="0" smtClean="0">
+                <a:latin typeface="Arial" charset="0"/>
+                <a:ea typeface="微软雅黑" charset="-122"/>
+              </a:rPr>
+              <a:t>這是由營建署所提供的完整作業流程說明，總共分為</a:t>
             </a:r>
             <a:r>
-              <a:rPr lang="en-US" altLang="zh-TW" dirty="0" smtClean="0"/>
+              <a:rPr lang="en-US" altLang="zh-TW" sz="1200" dirty="0" smtClean="0">
+                <a:latin typeface="Arial" charset="0"/>
+                <a:ea typeface="微软雅黑" charset="-122"/>
+              </a:rPr>
               <a:t>4</a:t>
             </a:r>
             <a:r>
-              <a:rPr lang="zh-TW" altLang="en-US" dirty="0" smtClean="0"/>
+              <a:rPr lang="zh-TW" altLang="zh-TW" sz="1200" dirty="0" smtClean="0">
+                <a:latin typeface="Arial" charset="0"/>
+                <a:ea typeface="微软雅黑" charset="-122"/>
+              </a:rPr>
               <a:t>點，實際作業從第</a:t>
             </a:r>
             <a:r>
-              <a:rPr lang="en-US" altLang="zh-TW" dirty="0" smtClean="0"/>
+              <a:rPr lang="en-US" altLang="zh-TW" sz="1200" dirty="0" smtClean="0">
+                <a:latin typeface="Arial" charset="0"/>
+                <a:ea typeface="微软雅黑" charset="-122"/>
+              </a:rPr>
               <a:t>4</a:t>
             </a:r>
             <a:r>
-              <a:rPr lang="zh-TW" altLang="en-US" dirty="0" smtClean="0"/>
-              <a:t>點開始，客人會臨櫃申請此專案，申請後審查部才可以下載資料，並向剛剛說的執行第</a:t>
+              <a:rPr lang="zh-TW" altLang="zh-TW" sz="1200" dirty="0" smtClean="0">
+                <a:latin typeface="Arial" charset="0"/>
+                <a:ea typeface="微软雅黑" charset="-122"/>
+              </a:rPr>
+              <a:t>點開始，首先客人會臨櫃申請此專案，並填寫相關內容，營建署收到申請後才會開放審查部下載待審核的資料，審查部拿到資料後就會執行剛剛所說的第</a:t>
             </a:r>
             <a:r>
-              <a:rPr lang="en-US" altLang="zh-TW" dirty="0" smtClean="0"/>
+              <a:rPr lang="en-US" altLang="zh-TW" sz="1200" dirty="0" smtClean="0">
+                <a:latin typeface="Arial" charset="0"/>
+                <a:ea typeface="微软雅黑" charset="-122"/>
+              </a:rPr>
               <a:t>1</a:t>
             </a:r>
             <a:r>
-              <a:rPr lang="zh-TW" altLang="en-US" dirty="0" smtClean="0"/>
-              <a:t>點案件審查的作業，回傳至營建署的系統後執行第</a:t>
+              <a:rPr lang="zh-TW" altLang="zh-TW" sz="1200" dirty="0" smtClean="0">
+                <a:latin typeface="Arial" charset="0"/>
+                <a:ea typeface="微软雅黑" charset="-122"/>
+              </a:rPr>
+              <a:t>點案件審查的作業，將審核完畢的結果檔回傳至營建署的系統，第</a:t>
             </a:r>
             <a:r>
-              <a:rPr lang="en-US" altLang="zh-TW" dirty="0" smtClean="0"/>
+              <a:rPr lang="en-US" altLang="zh-TW" sz="1200" dirty="0" smtClean="0">
+                <a:latin typeface="Arial" charset="0"/>
+                <a:ea typeface="微软雅黑" charset="-122"/>
+              </a:rPr>
               <a:t>2</a:t>
             </a:r>
             <a:r>
-              <a:rPr lang="zh-TW" altLang="en-US" dirty="0" smtClean="0"/>
-              <a:t>點的撥款作業至申請人的帳戶，再回傳撥款結果，第</a:t>
+              <a:rPr lang="zh-TW" altLang="zh-TW" sz="1200" dirty="0" smtClean="0">
+                <a:latin typeface="Arial" charset="0"/>
+                <a:ea typeface="微软雅黑" charset="-122"/>
+              </a:rPr>
+              <a:t>點則是撥款作業的說明，等審查部實際將款項撥入申請人的帳戶後，不管是已經撥款或放棄都需要向營建署回傳撥款的結果，第</a:t>
             </a:r>
             <a:r>
-              <a:rPr lang="en-US" altLang="zh-TW" dirty="0" smtClean="0"/>
+              <a:rPr lang="en-US" altLang="zh-TW" sz="1200" dirty="0" smtClean="0">
+                <a:latin typeface="Arial" charset="0"/>
+                <a:ea typeface="微软雅黑" charset="-122"/>
+              </a:rPr>
               <a:t>3</a:t>
             </a:r>
             <a:r>
-              <a:rPr lang="zh-TW" altLang="en-US" dirty="0" smtClean="0"/>
-              <a:t>點則是營建署網站提供的功能，不需要我們再做處理。</a:t>
+              <a:rPr lang="zh-TW" altLang="zh-TW" sz="1200" dirty="0" smtClean="0">
+                <a:latin typeface="Arial" charset="0"/>
+                <a:ea typeface="微软雅黑" charset="-122"/>
+              </a:rPr>
+              <a:t>點則是營建署網站會提供的功能，不需要我們再提供相關的程式。</a:t>
             </a:r>
-            <a:endParaRPr lang="zh-CN" altLang="en-US" dirty="0"/>
+            <a:endParaRPr lang="zh-TW" altLang="zh-TW" sz="1200" dirty="0">
+              <a:latin typeface="Arial" charset="0"/>
+              <a:ea typeface="微软雅黑" charset="-122"/>
+            </a:endParaRPr>
           </a:p>
         </p:txBody>
       </p:sp>
@@ -2559,43 +3789,90 @@
           <a:bodyPr/>
           <a:lstStyle/>
           <a:p>
+            <a:pPr marL="215900" indent="-212725" eaLnBrk="1">
+              <a:spcBef>
+                <a:spcPct val="0"/>
+              </a:spcBef>
+              <a:buClrTx/>
+              <a:buFontTx/>
+              <a:buNone/>
+              <a:tabLst>
+                <a:tab pos="215900" algn="l"/>
+                <a:tab pos="663575" algn="l"/>
+                <a:tab pos="1112838" algn="l"/>
+                <a:tab pos="1562100" algn="l"/>
+                <a:tab pos="2011363" algn="l"/>
+                <a:tab pos="2460625" algn="l"/>
+                <a:tab pos="2909888" algn="l"/>
+                <a:tab pos="3359150" algn="l"/>
+                <a:tab pos="3808413" algn="l"/>
+                <a:tab pos="4257675" algn="l"/>
+                <a:tab pos="4706938" algn="l"/>
+                <a:tab pos="5156200" algn="l"/>
+                <a:tab pos="5605463" algn="l"/>
+                <a:tab pos="6054725" algn="l"/>
+                <a:tab pos="6503988" algn="l"/>
+                <a:tab pos="6953250" algn="l"/>
+                <a:tab pos="7402513" algn="l"/>
+                <a:tab pos="7851775" algn="l"/>
+                <a:tab pos="8301038" algn="l"/>
+                <a:tab pos="8750300" algn="l"/>
+                <a:tab pos="9199563" algn="l"/>
+              </a:tabLst>
+            </a:pPr>
             <a:r>
-              <a:rPr lang="zh-TW" altLang="en-US" dirty="0" smtClean="0"/>
+              <a:rPr lang="zh-TW" altLang="zh-TW" sz="1200" dirty="0" smtClean="0">
+                <a:latin typeface="Arial" charset="0"/>
+                <a:ea typeface="微软雅黑" charset="-122"/>
+              </a:rPr>
               <a:t>再來是此一專案所有的程式介面，包含</a:t>
             </a:r>
             <a:r>
-              <a:rPr lang="en-US" altLang="zh-TW" dirty="0" smtClean="0"/>
+              <a:rPr lang="en-US" altLang="zh-TW" sz="1200" dirty="0" smtClean="0">
+                <a:latin typeface="Arial" charset="0"/>
+                <a:ea typeface="微软雅黑" charset="-122"/>
+              </a:rPr>
               <a:t>COTA</a:t>
             </a:r>
             <a:r>
-              <a:rPr lang="zh-TW" altLang="en-US" dirty="0" smtClean="0"/>
-              <a:t>裡的審核與撥款上傳、維護程式，分行端的介面就會剩下維護程式，以及將批次案件轉文字檔與下載</a:t>
+              <a:rPr lang="zh-TW" altLang="zh-TW" sz="1200" dirty="0" smtClean="0">
+                <a:latin typeface="Arial" charset="0"/>
+                <a:ea typeface="微软雅黑" charset="-122"/>
+              </a:rPr>
+              <a:t>裡的審核與撥款的上傳程式、維護程式，分行端的介面就會拿掉上傳程式留下維護程式，右下方的圖是在審查部系統裡，新加入的功能，包含將批次案件轉文字檔的功能與將下載至</a:t>
             </a:r>
             <a:r>
-              <a:rPr lang="en-US" altLang="zh-TW" dirty="0" smtClean="0"/>
+              <a:rPr lang="en-US" altLang="zh-TW" sz="1200" dirty="0" smtClean="0">
+                <a:latin typeface="Arial" charset="0"/>
+                <a:ea typeface="微软雅黑" charset="-122"/>
+              </a:rPr>
               <a:t>COTA</a:t>
             </a:r>
             <a:r>
-              <a:rPr lang="zh-TW" altLang="en-US" dirty="0" smtClean="0"/>
-              <a:t>檔案後轉</a:t>
+              <a:rPr lang="zh-TW" altLang="zh-TW" sz="1200" dirty="0" smtClean="0">
+                <a:latin typeface="Arial" charset="0"/>
+                <a:ea typeface="微软雅黑" charset="-122"/>
+              </a:rPr>
+              <a:t>的檔案轉</a:t>
             </a:r>
             <a:r>
-              <a:rPr lang="en-US" altLang="zh-TW" dirty="0" smtClean="0"/>
+              <a:rPr lang="en-US" altLang="zh-TW" sz="1200" dirty="0" smtClean="0">
+                <a:latin typeface="Arial" charset="0"/>
+                <a:ea typeface="微软雅黑" charset="-122"/>
+              </a:rPr>
               <a:t>EXCEL</a:t>
             </a:r>
             <a:r>
-              <a:rPr lang="zh-TW" altLang="en-US" dirty="0" smtClean="0"/>
-              <a:t>所使用的審查部報表系統，審查部報表系統本身是</a:t>
+              <a:rPr lang="zh-TW" altLang="zh-TW" sz="1200" dirty="0" smtClean="0">
+                <a:latin typeface="Arial" charset="0"/>
+                <a:ea typeface="微软雅黑" charset="-122"/>
+              </a:rPr>
+              <a:t>結果檔所使用的程式，裡面也包含審核與撥款的部分。</a:t>
             </a:r>
-            <a:r>
-              <a:rPr lang="en-US" altLang="zh-TW" dirty="0" smtClean="0"/>
-              <a:t>EXCEL</a:t>
-            </a:r>
-            <a:r>
-              <a:rPr lang="zh-TW" altLang="en-US" dirty="0" smtClean="0"/>
-              <a:t>程式。</a:t>
-            </a:r>
-            <a:endParaRPr lang="zh-CN" altLang="en-US" dirty="0"/>
+            <a:endParaRPr lang="zh-TW" altLang="zh-TW" sz="1200" dirty="0">
+              <a:latin typeface="Arial" charset="0"/>
+              <a:ea typeface="微软雅黑" charset="-122"/>
+            </a:endParaRPr>
           </a:p>
         </p:txBody>
       </p:sp>
@@ -2765,27 +4042,62 @@
           <a:bodyPr/>
           <a:lstStyle/>
           <a:p>
+            <a:pPr marL="215900" indent="-212725" eaLnBrk="1">
+              <a:spcBef>
+                <a:spcPct val="0"/>
+              </a:spcBef>
+              <a:buClrTx/>
+              <a:buFontTx/>
+              <a:buNone/>
+              <a:tabLst>
+                <a:tab pos="215900" algn="l"/>
+                <a:tab pos="663575" algn="l"/>
+                <a:tab pos="1112838" algn="l"/>
+                <a:tab pos="1562100" algn="l"/>
+                <a:tab pos="2011363" algn="l"/>
+                <a:tab pos="2460625" algn="l"/>
+                <a:tab pos="2909888" algn="l"/>
+                <a:tab pos="3359150" algn="l"/>
+                <a:tab pos="3808413" algn="l"/>
+                <a:tab pos="4257675" algn="l"/>
+                <a:tab pos="4706938" algn="l"/>
+                <a:tab pos="5156200" algn="l"/>
+                <a:tab pos="5605463" algn="l"/>
+                <a:tab pos="6054725" algn="l"/>
+                <a:tab pos="6503988" algn="l"/>
+                <a:tab pos="6953250" algn="l"/>
+                <a:tab pos="7402513" algn="l"/>
+                <a:tab pos="7851775" algn="l"/>
+                <a:tab pos="8301038" algn="l"/>
+                <a:tab pos="8750300" algn="l"/>
+                <a:tab pos="9199563" algn="l"/>
+              </a:tabLst>
+            </a:pPr>
             <a:r>
-              <a:rPr lang="zh-TW" altLang="en-US" dirty="0" smtClean="0"/>
-              <a:t>審查部下載批次審核檔後，需要先到審查部報表系統執行</a:t>
+              <a:rPr lang="zh-TW" altLang="zh-TW" sz="1200" dirty="0" smtClean="0">
+                <a:latin typeface="Arial" charset="0"/>
+                <a:ea typeface="微软雅黑" charset="-122"/>
+              </a:rPr>
+              <a:t>審查部下載批次審核檔後，就會先到審查部報表系統執行第一項產生審核文字檔的作業，將剛剛拿到的檔案轉成我們要的格式後上傳到</a:t>
             </a:r>
             <a:r>
-              <a:rPr lang="en-US" altLang="zh-TW" dirty="0" smtClean="0"/>
-              <a:t>EXCEL</a:t>
-            </a:r>
-            <a:r>
-              <a:rPr lang="zh-TW" altLang="en-US" dirty="0" smtClean="0"/>
-              <a:t>轉成文字檔的作業，準備將資料上傳到</a:t>
-            </a:r>
-            <a:r>
-              <a:rPr lang="en-US" altLang="zh-TW" dirty="0" smtClean="0"/>
+              <a:rPr lang="en-US" altLang="zh-TW" sz="1200" dirty="0" smtClean="0">
+                <a:latin typeface="Arial" charset="0"/>
+                <a:ea typeface="微软雅黑" charset="-122"/>
+              </a:rPr>
               <a:t>COTA</a:t>
             </a:r>
             <a:r>
-              <a:rPr lang="zh-TW" altLang="en-US" dirty="0" smtClean="0"/>
+              <a:rPr lang="zh-TW" altLang="zh-TW" sz="1200" dirty="0" smtClean="0">
+                <a:latin typeface="Arial" charset="0"/>
+                <a:ea typeface="微软雅黑" charset="-122"/>
+              </a:rPr>
               <a:t>裡</a:t>
             </a:r>
-            <a:endParaRPr lang="zh-CN" altLang="en-US" dirty="0"/>
+            <a:endParaRPr lang="zh-TW" altLang="zh-TW" sz="1200" dirty="0">
+              <a:latin typeface="Arial" charset="0"/>
+              <a:ea typeface="微软雅黑" charset="-122"/>
+            </a:endParaRPr>
           </a:p>
         </p:txBody>
       </p:sp>
@@ -2870,35 +4182,90 @@
           <a:bodyPr/>
           <a:lstStyle/>
           <a:p>
+            <a:pPr marL="215900" indent="-212725" eaLnBrk="1">
+              <a:spcBef>
+                <a:spcPct val="0"/>
+              </a:spcBef>
+              <a:buClrTx/>
+              <a:buFontTx/>
+              <a:buNone/>
+              <a:tabLst>
+                <a:tab pos="215900" algn="l"/>
+                <a:tab pos="663575" algn="l"/>
+                <a:tab pos="1112838" algn="l"/>
+                <a:tab pos="1562100" algn="l"/>
+                <a:tab pos="2011363" algn="l"/>
+                <a:tab pos="2460625" algn="l"/>
+                <a:tab pos="2909888" algn="l"/>
+                <a:tab pos="3359150" algn="l"/>
+                <a:tab pos="3808413" algn="l"/>
+                <a:tab pos="4257675" algn="l"/>
+                <a:tab pos="4706938" algn="l"/>
+                <a:tab pos="5156200" algn="l"/>
+                <a:tab pos="5605463" algn="l"/>
+                <a:tab pos="6054725" algn="l"/>
+                <a:tab pos="6503988" algn="l"/>
+                <a:tab pos="6953250" algn="l"/>
+                <a:tab pos="7402513" algn="l"/>
+                <a:tab pos="7851775" algn="l"/>
+                <a:tab pos="8301038" algn="l"/>
+                <a:tab pos="8750300" algn="l"/>
+                <a:tab pos="9199563" algn="l"/>
+              </a:tabLst>
+            </a:pPr>
             <a:r>
-              <a:rPr lang="zh-TW" altLang="en-US" dirty="0" smtClean="0"/>
-              <a:t>左邊是審查部下載的</a:t>
+              <a:rPr lang="zh-TW" altLang="zh-TW" sz="1200" dirty="0" smtClean="0">
+                <a:latin typeface="Arial" charset="0"/>
+                <a:ea typeface="微软雅黑" charset="-122"/>
+              </a:rPr>
+              <a:t>左邊是審查部下載的原始</a:t>
             </a:r>
             <a:r>
-              <a:rPr lang="en-US" altLang="zh-TW" dirty="0" smtClean="0"/>
+              <a:rPr lang="en-US" altLang="zh-TW" sz="1200" dirty="0" smtClean="0">
+                <a:latin typeface="Arial" charset="0"/>
+                <a:ea typeface="微软雅黑" charset="-122"/>
+              </a:rPr>
               <a:t>EXCEL</a:t>
             </a:r>
             <a:r>
-              <a:rPr lang="zh-TW" altLang="en-US" dirty="0" smtClean="0"/>
+              <a:rPr lang="zh-TW" altLang="zh-TW" sz="1200" dirty="0" smtClean="0">
+                <a:latin typeface="Arial" charset="0"/>
+                <a:ea typeface="微软雅黑" charset="-122"/>
+              </a:rPr>
               <a:t>資料，右邊是轉文字檔使用的程式，程式內容大致上是讀取</a:t>
             </a:r>
             <a:r>
-              <a:rPr lang="en-US" altLang="zh-TW" dirty="0" smtClean="0"/>
+              <a:rPr lang="en-US" altLang="zh-TW" sz="1200" dirty="0" smtClean="0">
+                <a:latin typeface="Arial" charset="0"/>
+                <a:ea typeface="微软雅黑" charset="-122"/>
+              </a:rPr>
               <a:t>EXCEL</a:t>
             </a:r>
             <a:r>
-              <a:rPr lang="zh-TW" altLang="en-US" dirty="0" smtClean="0"/>
-              <a:t>共有幾筆資料後，擷取</a:t>
+              <a:rPr lang="zh-TW" altLang="zh-TW" sz="1200" dirty="0" smtClean="0">
+                <a:latin typeface="Arial" charset="0"/>
+                <a:ea typeface="微软雅黑" charset="-122"/>
+              </a:rPr>
+              <a:t>內共有幾筆資料後，擷取</a:t>
             </a:r>
             <a:r>
-              <a:rPr lang="en-US" altLang="zh-TW" dirty="0" smtClean="0"/>
+              <a:rPr lang="en-US" altLang="zh-TW" sz="1200" dirty="0" smtClean="0">
+                <a:latin typeface="Arial" charset="0"/>
+                <a:ea typeface="微软雅黑" charset="-122"/>
+              </a:rPr>
               <a:t>EXCEL</a:t>
             </a:r>
             <a:r>
-              <a:rPr lang="zh-TW" altLang="en-US" dirty="0" smtClean="0"/>
+              <a:rPr lang="zh-TW" altLang="zh-TW" sz="1200" dirty="0" smtClean="0">
+                <a:latin typeface="Arial" charset="0"/>
+                <a:ea typeface="微软雅黑" charset="-122"/>
+              </a:rPr>
               <a:t>內的資料轉貼至格式檔內，再儲存為文字檔。</a:t>
             </a:r>
-            <a:endParaRPr lang="zh-CN" altLang="en-US" dirty="0"/>
+            <a:endParaRPr lang="zh-TW" altLang="zh-TW" sz="1200" dirty="0">
+              <a:latin typeface="Arial" charset="0"/>
+              <a:ea typeface="微软雅黑" charset="-122"/>
+            </a:endParaRPr>
           </a:p>
         </p:txBody>
       </p:sp>
@@ -2983,19 +4350,62 @@
           <a:bodyPr/>
           <a:lstStyle/>
           <a:p>
+            <a:pPr marL="215900" indent="-212725" eaLnBrk="1">
+              <a:spcBef>
+                <a:spcPct val="0"/>
+              </a:spcBef>
+              <a:buClrTx/>
+              <a:buFontTx/>
+              <a:buNone/>
+              <a:tabLst>
+                <a:tab pos="215900" algn="l"/>
+                <a:tab pos="663575" algn="l"/>
+                <a:tab pos="1112838" algn="l"/>
+                <a:tab pos="1562100" algn="l"/>
+                <a:tab pos="2011363" algn="l"/>
+                <a:tab pos="2460625" algn="l"/>
+                <a:tab pos="2909888" algn="l"/>
+                <a:tab pos="3359150" algn="l"/>
+                <a:tab pos="3808413" algn="l"/>
+                <a:tab pos="4257675" algn="l"/>
+                <a:tab pos="4706938" algn="l"/>
+                <a:tab pos="5156200" algn="l"/>
+                <a:tab pos="5605463" algn="l"/>
+                <a:tab pos="6054725" algn="l"/>
+                <a:tab pos="6503988" algn="l"/>
+                <a:tab pos="6953250" algn="l"/>
+                <a:tab pos="7402513" algn="l"/>
+                <a:tab pos="7851775" algn="l"/>
+                <a:tab pos="8301038" algn="l"/>
+                <a:tab pos="8750300" algn="l"/>
+                <a:tab pos="9199563" algn="l"/>
+              </a:tabLst>
+            </a:pPr>
             <a:r>
-              <a:rPr lang="zh-TW" altLang="en-US" dirty="0" smtClean="0"/>
-              <a:t>左邊是產生的文字檔，右邊則是文字檔上傳至</a:t>
+              <a:rPr lang="zh-TW" altLang="zh-TW" sz="1200" dirty="0" smtClean="0">
+                <a:latin typeface="Arial" charset="0"/>
+                <a:ea typeface="微软雅黑" charset="-122"/>
+              </a:rPr>
+              <a:t>左邊是剛剛產生的文字檔，右邊則是文字檔上傳至</a:t>
             </a:r>
             <a:r>
-              <a:rPr lang="en-US" altLang="zh-TW" dirty="0" smtClean="0"/>
+              <a:rPr lang="en-US" altLang="zh-TW" sz="1200" dirty="0" smtClean="0">
+                <a:latin typeface="Arial" charset="0"/>
+                <a:ea typeface="微软雅黑" charset="-122"/>
+              </a:rPr>
               <a:t>COTA</a:t>
             </a:r>
             <a:r>
-              <a:rPr lang="zh-TW" altLang="en-US" dirty="0" smtClean="0"/>
-              <a:t>預定的檔案格式，其中分支的部分是當初客人申請時填入的分行，由於會有填錯或其他因素，所以只能當作參考，後續會用其他方式判斷案件所屬的分行。</a:t>
+              <a:rPr lang="zh-TW" altLang="zh-TW" sz="1200" dirty="0" smtClean="0">
+                <a:latin typeface="Arial" charset="0"/>
+                <a:ea typeface="微软雅黑" charset="-122"/>
+              </a:rPr>
+              <a:t>定的檔案格式，包含客戶申請時填入的資訊以及營建署給予的受理編號，其中分支的部分是當初客人申請時填入的分行，由於會有填錯或者其他因素，所以這裡只當作參考並用於後續回傳營建署資料的一部分，程式會用其他方式判斷案件所屬的分行。</a:t>
             </a:r>
-            <a:endParaRPr lang="zh-CN" altLang="en-US" dirty="0"/>
+            <a:endParaRPr lang="zh-TW" altLang="zh-TW" sz="1200" dirty="0">
+              <a:latin typeface="Arial" charset="0"/>
+              <a:ea typeface="微软雅黑" charset="-122"/>
+            </a:endParaRPr>
           </a:p>
         </p:txBody>
       </p:sp>
@@ -3216,7 +4626,7 @@
             <a:fld id="{530820CF-B880-4189-942D-D702A7CBA730}" type="datetimeFigureOut">
               <a:rPr lang="zh-CN" altLang="en-US" smtClean="0"/>
               <a:pPr/>
-              <a:t>2023/9/7</a:t>
+              <a:t>2023/9/11</a:t>
             </a:fld>
             <a:endParaRPr lang="zh-CN" altLang="en-US"/>
           </a:p>
@@ -3473,7 +4883,7 @@
             <a:fld id="{530820CF-B880-4189-942D-D702A7CBA730}" type="datetimeFigureOut">
               <a:rPr lang="zh-CN" altLang="en-US" smtClean="0"/>
               <a:pPr/>
-              <a:t>2023/9/7</a:t>
+              <a:t>2023/9/11</a:t>
             </a:fld>
             <a:endParaRPr lang="zh-CN" altLang="en-US"/>
           </a:p>
@@ -3639,7 +5049,7 @@
             <a:fld id="{530820CF-B880-4189-942D-D702A7CBA730}" type="datetimeFigureOut">
               <a:rPr lang="zh-CN" altLang="en-US" smtClean="0"/>
               <a:pPr/>
-              <a:t>2023/9/7</a:t>
+              <a:t>2023/9/11</a:t>
             </a:fld>
             <a:endParaRPr lang="zh-CN" altLang="en-US"/>
           </a:p>
@@ -3815,7 +5225,7 @@
             <a:fld id="{530820CF-B880-4189-942D-D702A7CBA730}" type="datetimeFigureOut">
               <a:rPr lang="zh-CN" altLang="en-US" smtClean="0"/>
               <a:pPr/>
-              <a:t>2023/9/7</a:t>
+              <a:t>2023/9/11</a:t>
             </a:fld>
             <a:endParaRPr lang="zh-CN" altLang="en-US"/>
           </a:p>
@@ -4167,7 +5577,7 @@
                 </a:solidFill>
               </a:rPr>
               <a:pPr/>
-              <a:t>2023/9/7</a:t>
+              <a:t>2023/9/11</a:t>
             </a:fld>
             <a:endParaRPr lang="zh-CN" altLang="en-US">
               <a:solidFill>
@@ -4400,7 +5810,7 @@
                 </a:solidFill>
               </a:rPr>
               <a:pPr/>
-              <a:t>2023/9/7</a:t>
+              <a:t>2023/9/11</a:t>
             </a:fld>
             <a:endParaRPr lang="zh-CN" altLang="en-US">
               <a:solidFill>
@@ -4634,7 +6044,7 @@
             <a:fld id="{530820CF-B880-4189-942D-D702A7CBA730}" type="datetimeFigureOut">
               <a:rPr lang="zh-CN" altLang="en-US" smtClean="0"/>
               <a:pPr/>
-              <a:t>2023/9/7</a:t>
+              <a:t>2023/9/11</a:t>
             </a:fld>
             <a:endParaRPr lang="zh-CN" altLang="en-US"/>
           </a:p>
@@ -4884,7 +6294,7 @@
             <a:fld id="{530820CF-B880-4189-942D-D702A7CBA730}" type="datetimeFigureOut">
               <a:rPr lang="zh-CN" altLang="en-US" smtClean="0"/>
               <a:pPr/>
-              <a:t>2023/9/7</a:t>
+              <a:t>2023/9/11</a:t>
             </a:fld>
             <a:endParaRPr lang="zh-CN" altLang="en-US"/>
           </a:p>
@@ -5167,7 +6577,7 @@
             <a:fld id="{530820CF-B880-4189-942D-D702A7CBA730}" type="datetimeFigureOut">
               <a:rPr lang="zh-CN" altLang="en-US" smtClean="0"/>
               <a:pPr/>
-              <a:t>2023/9/7</a:t>
+              <a:t>2023/9/11</a:t>
             </a:fld>
             <a:endParaRPr lang="zh-CN" altLang="en-US"/>
           </a:p>
@@ -5584,7 +6994,7 @@
             <a:fld id="{530820CF-B880-4189-942D-D702A7CBA730}" type="datetimeFigureOut">
               <a:rPr lang="zh-CN" altLang="en-US" smtClean="0"/>
               <a:pPr/>
-              <a:t>2023/9/7</a:t>
+              <a:t>2023/9/11</a:t>
             </a:fld>
             <a:endParaRPr lang="zh-CN" altLang="en-US"/>
           </a:p>
@@ -6001,7 +7411,7 @@
             <a:fld id="{530820CF-B880-4189-942D-D702A7CBA730}" type="datetimeFigureOut">
               <a:rPr lang="zh-CN" altLang="en-US" smtClean="0"/>
               <a:pPr/>
-              <a:t>2023/9/7</a:t>
+              <a:t>2023/9/11</a:t>
             </a:fld>
             <a:endParaRPr lang="zh-CN" altLang="en-US"/>
           </a:p>
@@ -6246,7 +7656,7 @@
             <a:fld id="{530820CF-B880-4189-942D-D702A7CBA730}" type="datetimeFigureOut">
               <a:rPr lang="zh-CN" altLang="en-US" smtClean="0"/>
               <a:pPr/>
-              <a:t>2023/9/7</a:t>
+              <a:t>2023/9/11</a:t>
             </a:fld>
             <a:endParaRPr lang="zh-CN" altLang="en-US"/>
           </a:p>
@@ -6346,7 +7756,7 @@
             <a:fld id="{530820CF-B880-4189-942D-D702A7CBA730}" type="datetimeFigureOut">
               <a:rPr lang="zh-CN" altLang="en-US" smtClean="0"/>
               <a:pPr/>
-              <a:t>2023/9/7</a:t>
+              <a:t>2023/9/11</a:t>
             </a:fld>
             <a:endParaRPr lang="zh-CN" altLang="en-US"/>
           </a:p>
@@ -6619,7 +8029,7 @@
             <a:fld id="{530820CF-B880-4189-942D-D702A7CBA730}" type="datetimeFigureOut">
               <a:rPr lang="zh-CN" altLang="en-US" smtClean="0"/>
               <a:pPr/>
-              <a:t>2023/9/7</a:t>
+              <a:t>2023/9/11</a:t>
             </a:fld>
             <a:endParaRPr lang="zh-CN" altLang="en-US"/>
           </a:p>
@@ -6828,7 +8238,7 @@
             <a:fld id="{530820CF-B880-4189-942D-D702A7CBA730}" type="datetimeFigureOut">
               <a:rPr lang="zh-CN" altLang="en-US" smtClean="0"/>
               <a:pPr/>
-              <a:t>2023/9/7</a:t>
+              <a:t>2023/9/11</a:t>
             </a:fld>
             <a:endParaRPr lang="zh-CN" altLang="en-US"/>
           </a:p>
@@ -14972,38 +16382,85 @@
           </a:p>
         </p:txBody>
       </p:sp>
-      <p:pic>
-        <p:nvPicPr>
-          <p:cNvPr id="6148" name="Picture 4"/>
-          <p:cNvPicPr>
-            <a:picLocks noChangeAspect="1" noChangeArrowheads="1"/>
-          </p:cNvPicPr>
+      <p:grpSp>
+        <p:nvGrpSpPr>
+          <p:cNvPr id="23" name="群組 22"/>
+          <p:cNvGrpSpPr/>
           <p:nvPr/>
-        </p:nvPicPr>
-        <p:blipFill>
-          <a:blip r:embed="rId3" cstate="print"/>
-          <a:srcRect/>
-          <a:stretch>
-            <a:fillRect/>
-          </a:stretch>
-        </p:blipFill>
-        <p:spPr bwMode="auto">
+        </p:nvGrpSpPr>
+        <p:grpSpPr>
           <a:xfrm>
-            <a:off x="1835696" y="771550"/>
-            <a:ext cx="5184576" cy="4054535"/>
+            <a:off x="1403648" y="627534"/>
+            <a:ext cx="5904656" cy="4320481"/>
+            <a:chOff x="1331640" y="699541"/>
+            <a:chExt cx="5904656" cy="4320481"/>
           </a:xfrm>
-          <a:prstGeom prst="rect">
-            <a:avLst/>
-          </a:prstGeom>
-          <a:noFill/>
-          <a:ln w="9525">
+        </p:grpSpPr>
+        <p:pic>
+          <p:nvPicPr>
+            <p:cNvPr id="1027" name="Picture 3"/>
+            <p:cNvPicPr>
+              <a:picLocks noChangeAspect="1" noChangeArrowheads="1"/>
+            </p:cNvPicPr>
+            <p:nvPr/>
+          </p:nvPicPr>
+          <p:blipFill>
+            <a:blip r:embed="rId3" cstate="print"/>
+            <a:srcRect t="6025" r="2381" b="3598"/>
+            <a:stretch>
+              <a:fillRect/>
+            </a:stretch>
+          </p:blipFill>
+          <p:spPr bwMode="auto">
+            <a:xfrm>
+              <a:off x="1331640" y="699541"/>
+              <a:ext cx="5904655" cy="3240361"/>
+            </a:xfrm>
+            <a:prstGeom prst="rect">
+              <a:avLst/>
+            </a:prstGeom>
             <a:noFill/>
-            <a:miter lim="800000"/>
-            <a:headEnd/>
-            <a:tailEnd/>
-          </a:ln>
-        </p:spPr>
-      </p:pic>
+            <a:ln w="9525">
+              <a:noFill/>
+              <a:miter lim="800000"/>
+              <a:headEnd/>
+              <a:tailEnd/>
+            </a:ln>
+          </p:spPr>
+        </p:pic>
+        <p:pic>
+          <p:nvPicPr>
+            <p:cNvPr id="1026" name="Picture 2"/>
+            <p:cNvPicPr>
+              <a:picLocks noChangeAspect="1" noChangeArrowheads="1"/>
+            </p:cNvPicPr>
+            <p:nvPr/>
+          </p:nvPicPr>
+          <p:blipFill>
+            <a:blip r:embed="rId4" cstate="print"/>
+            <a:srcRect t="69215" r="2381"/>
+            <a:stretch>
+              <a:fillRect/>
+            </a:stretch>
+          </p:blipFill>
+          <p:spPr bwMode="auto">
+            <a:xfrm>
+              <a:off x="1331640" y="3915626"/>
+              <a:ext cx="5904656" cy="1104396"/>
+            </a:xfrm>
+            <a:prstGeom prst="rect">
+              <a:avLst/>
+            </a:prstGeom>
+            <a:noFill/>
+            <a:ln w="9525">
+              <a:noFill/>
+              <a:miter lim="800000"/>
+              <a:headEnd/>
+              <a:tailEnd/>
+            </a:ln>
+          </p:spPr>
+        </p:pic>
+      </p:grpSp>
     </p:spTree>
   </p:cSld>
   <p:clrMapOvr>
